--- a/PPT/porumacausa.pptx
+++ b/PPT/porumacausa.pptx
@@ -6,6 +6,7 @@
   </p:sldMasterIdLst>
   <p:sldIdLst>
     <p:sldId id="256" r:id="rId2"/>
+    <p:sldId id="257" r:id="rId3"/>
   </p:sldIdLst>
   <p:sldSz cx="12192000" cy="6858000"/>
   <p:notesSz cx="6858000" cy="9144000"/>
@@ -104,6 +105,11 @@
       </a:defRPr>
     </a:lvl9pPr>
   </p:defaultTextStyle>
+  <p:extLst>
+    <p:ext uri="{EFAFB233-063F-42B5-8137-9DF3F51BA10A}">
+      <p15:sldGuideLst xmlns:p15="http://schemas.microsoft.com/office/powerpoint/2012/main"/>
+    </p:ext>
+  </p:extLst>
 </p:presentation>
 </file>
 
@@ -238,7 +244,7 @@
           <a:p>
             <a:fld id="{C92E202C-74FA-1E4C-9354-78BB42DCC506}" type="datetimeFigureOut">
               <a:rPr lang="pt-PT" smtClean="0"/>
-              <a:t>01/07/17</a:t>
+              <a:t>02/07/17</a:t>
             </a:fld>
             <a:endParaRPr lang="pt-PT"/>
           </a:p>
@@ -408,7 +414,7 @@
           <a:p>
             <a:fld id="{C92E202C-74FA-1E4C-9354-78BB42DCC506}" type="datetimeFigureOut">
               <a:rPr lang="pt-PT" smtClean="0"/>
-              <a:t>01/07/17</a:t>
+              <a:t>02/07/17</a:t>
             </a:fld>
             <a:endParaRPr lang="pt-PT"/>
           </a:p>
@@ -588,7 +594,7 @@
           <a:p>
             <a:fld id="{C92E202C-74FA-1E4C-9354-78BB42DCC506}" type="datetimeFigureOut">
               <a:rPr lang="pt-PT" smtClean="0"/>
-              <a:t>01/07/17</a:t>
+              <a:t>02/07/17</a:t>
             </a:fld>
             <a:endParaRPr lang="pt-PT"/>
           </a:p>
@@ -758,7 +764,7 @@
           <a:p>
             <a:fld id="{C92E202C-74FA-1E4C-9354-78BB42DCC506}" type="datetimeFigureOut">
               <a:rPr lang="pt-PT" smtClean="0"/>
-              <a:t>01/07/17</a:t>
+              <a:t>02/07/17</a:t>
             </a:fld>
             <a:endParaRPr lang="pt-PT"/>
           </a:p>
@@ -1004,7 +1010,7 @@
           <a:p>
             <a:fld id="{C92E202C-74FA-1E4C-9354-78BB42DCC506}" type="datetimeFigureOut">
               <a:rPr lang="pt-PT" smtClean="0"/>
-              <a:t>01/07/17</a:t>
+              <a:t>02/07/17</a:t>
             </a:fld>
             <a:endParaRPr lang="pt-PT"/>
           </a:p>
@@ -1236,7 +1242,7 @@
           <a:p>
             <a:fld id="{C92E202C-74FA-1E4C-9354-78BB42DCC506}" type="datetimeFigureOut">
               <a:rPr lang="pt-PT" smtClean="0"/>
-              <a:t>01/07/17</a:t>
+              <a:t>02/07/17</a:t>
             </a:fld>
             <a:endParaRPr lang="pt-PT"/>
           </a:p>
@@ -1603,7 +1609,7 @@
           <a:p>
             <a:fld id="{C92E202C-74FA-1E4C-9354-78BB42DCC506}" type="datetimeFigureOut">
               <a:rPr lang="pt-PT" smtClean="0"/>
-              <a:t>01/07/17</a:t>
+              <a:t>02/07/17</a:t>
             </a:fld>
             <a:endParaRPr lang="pt-PT"/>
           </a:p>
@@ -1721,7 +1727,7 @@
           <a:p>
             <a:fld id="{C92E202C-74FA-1E4C-9354-78BB42DCC506}" type="datetimeFigureOut">
               <a:rPr lang="pt-PT" smtClean="0"/>
-              <a:t>01/07/17</a:t>
+              <a:t>02/07/17</a:t>
             </a:fld>
             <a:endParaRPr lang="pt-PT"/>
           </a:p>
@@ -1816,7 +1822,7 @@
           <a:p>
             <a:fld id="{C92E202C-74FA-1E4C-9354-78BB42DCC506}" type="datetimeFigureOut">
               <a:rPr lang="pt-PT" smtClean="0"/>
-              <a:t>01/07/17</a:t>
+              <a:t>02/07/17</a:t>
             </a:fld>
             <a:endParaRPr lang="pt-PT"/>
           </a:p>
@@ -2093,7 +2099,7 @@
           <a:p>
             <a:fld id="{C92E202C-74FA-1E4C-9354-78BB42DCC506}" type="datetimeFigureOut">
               <a:rPr lang="pt-PT" smtClean="0"/>
-              <a:t>01/07/17</a:t>
+              <a:t>02/07/17</a:t>
             </a:fld>
             <a:endParaRPr lang="pt-PT"/>
           </a:p>
@@ -2346,7 +2352,7 @@
           <a:p>
             <a:fld id="{C92E202C-74FA-1E4C-9354-78BB42DCC506}" type="datetimeFigureOut">
               <a:rPr lang="pt-PT" smtClean="0"/>
-              <a:t>01/07/17</a:t>
+              <a:t>02/07/17</a:t>
             </a:fld>
             <a:endParaRPr lang="pt-PT"/>
           </a:p>
@@ -2559,7 +2565,7 @@
           <a:p>
             <a:fld id="{C92E202C-74FA-1E4C-9354-78BB42DCC506}" type="datetimeFigureOut">
               <a:rPr lang="pt-PT" smtClean="0"/>
-              <a:t>01/07/17</a:t>
+              <a:t>02/07/17</a:t>
             </a:fld>
             <a:endParaRPr lang="pt-PT"/>
           </a:p>
@@ -3391,6 +3397,275 @@
 </p:sld>
 </file>
 
+<file path=ppt/slides/slide2.xml><?xml version="1.0" encoding="utf-8"?>
+<p:sld xmlns:a="http://schemas.openxmlformats.org/drawingml/2006/main" xmlns:r="http://schemas.openxmlformats.org/officeDocument/2006/relationships" xmlns:p="http://schemas.openxmlformats.org/presentationml/2006/main">
+  <p:cSld>
+    <p:bg>
+      <p:bgPr>
+        <a:solidFill>
+          <a:schemeClr val="tx1"/>
+        </a:solidFill>
+        <a:effectLst/>
+      </p:bgPr>
+    </p:bg>
+    <p:spTree>
+      <p:nvGrpSpPr>
+        <p:cNvPr id="1" name=""/>
+        <p:cNvGrpSpPr/>
+        <p:nvPr/>
+      </p:nvGrpSpPr>
+      <p:grpSpPr>
+        <a:xfrm>
+          <a:off x="0" y="0"/>
+          <a:ext cx="0" cy="0"/>
+          <a:chOff x="0" y="0"/>
+          <a:chExt cx="0" cy="0"/>
+        </a:xfrm>
+      </p:grpSpPr>
+      <p:grpSp>
+        <p:nvGrpSpPr>
+          <p:cNvPr id="18" name="Grupo 17"/>
+          <p:cNvGrpSpPr/>
+          <p:nvPr/>
+        </p:nvGrpSpPr>
+        <p:grpSpPr>
+          <a:xfrm>
+            <a:off x="3353799" y="4936019"/>
+            <a:ext cx="5224508" cy="1292662"/>
+            <a:chOff x="3353799" y="4936019"/>
+            <a:chExt cx="5224508" cy="1292662"/>
+          </a:xfrm>
+        </p:grpSpPr>
+        <p:sp>
+          <p:nvSpPr>
+            <p:cNvPr id="16" name="Retângulo 15"/>
+            <p:cNvSpPr/>
+            <p:nvPr/>
+          </p:nvSpPr>
+          <p:spPr>
+            <a:xfrm>
+              <a:off x="3353799" y="4936019"/>
+              <a:ext cx="5224508" cy="923330"/>
+            </a:xfrm>
+            <a:prstGeom prst="rect">
+              <a:avLst/>
+            </a:prstGeom>
+            <a:noFill/>
+          </p:spPr>
+          <p:txBody>
+            <a:bodyPr wrap="none" lIns="91440" tIns="45720" rIns="91440" bIns="45720">
+              <a:spAutoFit/>
+            </a:bodyPr>
+            <a:lstStyle/>
+            <a:p>
+              <a:pPr algn="ctr"/>
+              <a:r>
+                <a:rPr lang="pt-PT" sz="5400" b="1" cap="none" spc="0" dirty="0" smtClean="0">
+                  <a:ln w="12700">
+                    <a:noFill/>
+                    <a:prstDash val="solid"/>
+                  </a:ln>
+                  <a:solidFill>
+                    <a:srgbClr val="FF0000"/>
+                  </a:solidFill>
+                  <a:latin typeface="Arial" charset="0"/>
+                  <a:ea typeface="Arial" charset="0"/>
+                  <a:cs typeface="Arial" charset="0"/>
+                </a:rPr>
+                <a:t>{porumacausa}</a:t>
+              </a:r>
+              <a:endParaRPr lang="pt-PT" sz="5400" b="1" cap="none" spc="0" dirty="0">
+                <a:ln w="12700">
+                  <a:noFill/>
+                  <a:prstDash val="solid"/>
+                </a:ln>
+                <a:solidFill>
+                  <a:srgbClr val="FF0000"/>
+                </a:solidFill>
+                <a:latin typeface="Arial" charset="0"/>
+                <a:ea typeface="Arial" charset="0"/>
+                <a:cs typeface="Arial" charset="0"/>
+              </a:endParaRPr>
+            </a:p>
+          </p:txBody>
+        </p:sp>
+        <p:sp>
+          <p:nvSpPr>
+            <p:cNvPr id="17" name="CaixaDeTexto 16"/>
+            <p:cNvSpPr txBox="1"/>
+            <p:nvPr/>
+          </p:nvSpPr>
+          <p:spPr>
+            <a:xfrm>
+              <a:off x="5165736" y="5859349"/>
+              <a:ext cx="3121367" cy="369332"/>
+            </a:xfrm>
+            <a:prstGeom prst="rect">
+              <a:avLst/>
+            </a:prstGeom>
+            <a:noFill/>
+          </p:spPr>
+          <p:txBody>
+            <a:bodyPr wrap="none" rtlCol="0">
+              <a:spAutoFit/>
+            </a:bodyPr>
+            <a:lstStyle/>
+            <a:p>
+              <a:r>
+                <a:rPr lang="pt-PT" b="1" dirty="0" smtClean="0">
+                  <a:solidFill>
+                    <a:schemeClr val="bg1"/>
+                  </a:solidFill>
+                  <a:latin typeface="Arial" charset="0"/>
+                  <a:ea typeface="Arial" charset="0"/>
+                  <a:cs typeface="Arial" charset="0"/>
+                </a:rPr>
+                <a:t>Makers Community Impact</a:t>
+              </a:r>
+              <a:endParaRPr lang="pt-PT" b="1" dirty="0">
+                <a:solidFill>
+                  <a:schemeClr val="bg1"/>
+                </a:solidFill>
+                <a:latin typeface="Arial" charset="0"/>
+                <a:ea typeface="Arial" charset="0"/>
+                <a:cs typeface="Arial" charset="0"/>
+              </a:endParaRPr>
+            </a:p>
+          </p:txBody>
+        </p:sp>
+      </p:grpSp>
+      <p:grpSp>
+        <p:nvGrpSpPr>
+          <p:cNvPr id="15" name="Grupo 14"/>
+          <p:cNvGrpSpPr/>
+          <p:nvPr/>
+        </p:nvGrpSpPr>
+        <p:grpSpPr>
+          <a:xfrm>
+            <a:off x="3353799" y="2535361"/>
+            <a:ext cx="5224508" cy="1292662"/>
+            <a:chOff x="3353799" y="4936019"/>
+            <a:chExt cx="5224508" cy="1292662"/>
+          </a:xfrm>
+        </p:grpSpPr>
+        <p:sp>
+          <p:nvSpPr>
+            <p:cNvPr id="19" name="Retângulo 18"/>
+            <p:cNvSpPr/>
+            <p:nvPr/>
+          </p:nvSpPr>
+          <p:spPr>
+            <a:xfrm>
+              <a:off x="3353799" y="4936019"/>
+              <a:ext cx="5224508" cy="923330"/>
+            </a:xfrm>
+            <a:prstGeom prst="rect">
+              <a:avLst/>
+            </a:prstGeom>
+            <a:noFill/>
+          </p:spPr>
+          <p:txBody>
+            <a:bodyPr wrap="none" lIns="91440" tIns="45720" rIns="91440" bIns="45720">
+              <a:spAutoFit/>
+            </a:bodyPr>
+            <a:lstStyle/>
+            <a:p>
+              <a:pPr algn="ctr"/>
+              <a:r>
+                <a:rPr lang="pt-PT" sz="5400" b="1" cap="none" spc="0" dirty="0" smtClean="0">
+                  <a:ln w="12700">
+                    <a:noFill/>
+                    <a:prstDash val="solid"/>
+                  </a:ln>
+                  <a:solidFill>
+                    <a:schemeClr val="bg1"/>
+                  </a:solidFill>
+                  <a:latin typeface="Arial" charset="0"/>
+                  <a:ea typeface="Arial" charset="0"/>
+                  <a:cs typeface="Arial" charset="0"/>
+                </a:rPr>
+                <a:t>{porumacausa}</a:t>
+              </a:r>
+              <a:endParaRPr lang="pt-PT" sz="5400" b="1" cap="none" spc="0" dirty="0">
+                <a:ln w="12700">
+                  <a:noFill/>
+                  <a:prstDash val="solid"/>
+                </a:ln>
+                <a:solidFill>
+                  <a:schemeClr val="bg1"/>
+                </a:solidFill>
+                <a:latin typeface="Arial" charset="0"/>
+                <a:ea typeface="Arial" charset="0"/>
+                <a:cs typeface="Arial" charset="0"/>
+              </a:endParaRPr>
+            </a:p>
+          </p:txBody>
+        </p:sp>
+        <p:sp>
+          <p:nvSpPr>
+            <p:cNvPr id="20" name="CaixaDeTexto 19"/>
+            <p:cNvSpPr txBox="1"/>
+            <p:nvPr/>
+          </p:nvSpPr>
+          <p:spPr>
+            <a:xfrm>
+              <a:off x="5165736" y="5859349"/>
+              <a:ext cx="3121367" cy="369332"/>
+            </a:xfrm>
+            <a:prstGeom prst="rect">
+              <a:avLst/>
+            </a:prstGeom>
+            <a:noFill/>
+          </p:spPr>
+          <p:txBody>
+            <a:bodyPr wrap="none" rtlCol="0">
+              <a:spAutoFit/>
+            </a:bodyPr>
+            <a:lstStyle/>
+            <a:p>
+              <a:r>
+                <a:rPr lang="pt-PT" b="1" dirty="0" smtClean="0">
+                  <a:solidFill>
+                    <a:schemeClr val="bg1"/>
+                  </a:solidFill>
+                  <a:latin typeface="Arial" charset="0"/>
+                  <a:ea typeface="Arial" charset="0"/>
+                  <a:cs typeface="Arial" charset="0"/>
+                </a:rPr>
+                <a:t>Makers Community Impact</a:t>
+              </a:r>
+              <a:endParaRPr lang="pt-PT" b="1" dirty="0">
+                <a:solidFill>
+                  <a:schemeClr val="bg1"/>
+                </a:solidFill>
+                <a:latin typeface="Arial" charset="0"/>
+                <a:ea typeface="Arial" charset="0"/>
+                <a:cs typeface="Arial" charset="0"/>
+              </a:endParaRPr>
+            </a:p>
+          </p:txBody>
+        </p:sp>
+      </p:grpSp>
+    </p:spTree>
+    <p:extLst>
+      <p:ext uri="{BB962C8B-B14F-4D97-AF65-F5344CB8AC3E}">
+        <p14:creationId xmlns:p14="http://schemas.microsoft.com/office/powerpoint/2010/main" val="1190959765"/>
+      </p:ext>
+    </p:extLst>
+  </p:cSld>
+  <p:clrMapOvr>
+    <a:masterClrMapping/>
+  </p:clrMapOvr>
+  <p:timing>
+    <p:tnLst>
+      <p:par>
+        <p:cTn id="1" dur="indefinite" restart="never" nodeType="tmRoot"/>
+      </p:par>
+    </p:tnLst>
+  </p:timing>
+</p:sld>
+</file>
+
 <file path=ppt/theme/theme1.xml><?xml version="1.0" encoding="utf-8"?>
 <a:theme xmlns:a="http://schemas.openxmlformats.org/drawingml/2006/main" name="Tema do Office">
   <a:themeElements>

--- a/PPT/porumacausa.pptx
+++ b/PPT/porumacausa.pptx
@@ -4,9 +4,20 @@
   <p:sldMasterIdLst>
     <p:sldMasterId id="2147483648" r:id="rId1"/>
   </p:sldMasterIdLst>
+  <p:notesMasterIdLst>
+    <p:notesMasterId r:id="rId12"/>
+  </p:notesMasterIdLst>
   <p:sldIdLst>
     <p:sldId id="256" r:id="rId2"/>
     <p:sldId id="257" r:id="rId3"/>
+    <p:sldId id="258" r:id="rId4"/>
+    <p:sldId id="259" r:id="rId5"/>
+    <p:sldId id="261" r:id="rId6"/>
+    <p:sldId id="266" r:id="rId7"/>
+    <p:sldId id="260" r:id="rId8"/>
+    <p:sldId id="263" r:id="rId9"/>
+    <p:sldId id="264" r:id="rId10"/>
+    <p:sldId id="265" r:id="rId11"/>
   </p:sldIdLst>
   <p:sldSz cx="12192000" cy="6858000"/>
   <p:notesSz cx="6858000" cy="9144000"/>
@@ -107,10 +118,716 @@
   </p:defaultTextStyle>
   <p:extLst>
     <p:ext uri="{EFAFB233-063F-42B5-8137-9DF3F51BA10A}">
-      <p15:sldGuideLst xmlns:p15="http://schemas.microsoft.com/office/powerpoint/2012/main"/>
+      <p15:sldGuideLst xmlns:p15="http://schemas.microsoft.com/office/powerpoint/2012/main">
+        <p15:guide id="1" orient="horz" pos="2160" userDrawn="1">
+          <p15:clr>
+            <a:srgbClr val="A4A3A4"/>
+          </p15:clr>
+        </p15:guide>
+        <p15:guide id="2" pos="3840" userDrawn="1">
+          <p15:clr>
+            <a:srgbClr val="A4A3A4"/>
+          </p15:clr>
+        </p15:guide>
+        <p15:guide id="3" userDrawn="1">
+          <p15:clr>
+            <a:srgbClr val="A4A3A4"/>
+          </p15:clr>
+        </p15:guide>
+      </p15:sldGuideLst>
     </p:ext>
   </p:extLst>
 </p:presentation>
+</file>
+
+<file path=ppt/notesMasters/notesMaster1.xml><?xml version="1.0" encoding="utf-8"?>
+<p:notesMaster xmlns:a="http://schemas.openxmlformats.org/drawingml/2006/main" xmlns:r="http://schemas.openxmlformats.org/officeDocument/2006/relationships" xmlns:p="http://schemas.openxmlformats.org/presentationml/2006/main">
+  <p:cSld>
+    <p:bg>
+      <p:bgRef idx="1001">
+        <a:schemeClr val="bg1"/>
+      </p:bgRef>
+    </p:bg>
+    <p:spTree>
+      <p:nvGrpSpPr>
+        <p:cNvPr id="1" name=""/>
+        <p:cNvGrpSpPr/>
+        <p:nvPr/>
+      </p:nvGrpSpPr>
+      <p:grpSpPr>
+        <a:xfrm>
+          <a:off x="0" y="0"/>
+          <a:ext cx="0" cy="0"/>
+          <a:chOff x="0" y="0"/>
+          <a:chExt cx="0" cy="0"/>
+        </a:xfrm>
+      </p:grpSpPr>
+      <p:sp>
+        <p:nvSpPr>
+          <p:cNvPr id="2" name="Marcador de Posição do Cabeçalho 1"/>
+          <p:cNvSpPr>
+            <a:spLocks noGrp="1"/>
+          </p:cNvSpPr>
+          <p:nvPr>
+            <p:ph type="hdr" sz="quarter"/>
+          </p:nvPr>
+        </p:nvSpPr>
+        <p:spPr>
+          <a:xfrm>
+            <a:off x="0" y="0"/>
+            <a:ext cx="2971800" cy="458788"/>
+          </a:xfrm>
+          <a:prstGeom prst="rect">
+            <a:avLst/>
+          </a:prstGeom>
+        </p:spPr>
+        <p:txBody>
+          <a:bodyPr vert="horz" lIns="91440" tIns="45720" rIns="91440" bIns="45720" rtlCol="0"/>
+          <a:lstStyle>
+            <a:lvl1pPr algn="l">
+              <a:defRPr sz="1200"/>
+            </a:lvl1pPr>
+          </a:lstStyle>
+          <a:p>
+            <a:endParaRPr lang="pt-PT"/>
+          </a:p>
+        </p:txBody>
+      </p:sp>
+      <p:sp>
+        <p:nvSpPr>
+          <p:cNvPr id="3" name="Marcador de Posição da Data 2"/>
+          <p:cNvSpPr>
+            <a:spLocks noGrp="1"/>
+          </p:cNvSpPr>
+          <p:nvPr>
+            <p:ph type="dt" idx="1"/>
+          </p:nvPr>
+        </p:nvSpPr>
+        <p:spPr>
+          <a:xfrm>
+            <a:off x="3884613" y="0"/>
+            <a:ext cx="2971800" cy="458788"/>
+          </a:xfrm>
+          <a:prstGeom prst="rect">
+            <a:avLst/>
+          </a:prstGeom>
+        </p:spPr>
+        <p:txBody>
+          <a:bodyPr vert="horz" lIns="91440" tIns="45720" rIns="91440" bIns="45720" rtlCol="0"/>
+          <a:lstStyle>
+            <a:lvl1pPr algn="r">
+              <a:defRPr sz="1200"/>
+            </a:lvl1pPr>
+          </a:lstStyle>
+          <a:p>
+            <a:fld id="{2BA6D776-F2B8-CF4C-A082-056B8ABEDBF7}" type="datetimeFigureOut">
+              <a:rPr lang="pt-PT" smtClean="0"/>
+              <a:t>01/11/17</a:t>
+            </a:fld>
+            <a:endParaRPr lang="pt-PT"/>
+          </a:p>
+        </p:txBody>
+      </p:sp>
+      <p:sp>
+        <p:nvSpPr>
+          <p:cNvPr id="4" name="Marcador de Posição da Imagem do Diapositivo 3"/>
+          <p:cNvSpPr>
+            <a:spLocks noGrp="1" noRot="1" noChangeAspect="1"/>
+          </p:cNvSpPr>
+          <p:nvPr>
+            <p:ph type="sldImg" idx="2"/>
+          </p:nvPr>
+        </p:nvSpPr>
+        <p:spPr>
+          <a:xfrm>
+            <a:off x="685800" y="1143000"/>
+            <a:ext cx="5486400" cy="3086100"/>
+          </a:xfrm>
+          <a:prstGeom prst="rect">
+            <a:avLst/>
+          </a:prstGeom>
+          <a:noFill/>
+          <a:ln w="12700">
+            <a:solidFill>
+              <a:prstClr val="black"/>
+            </a:solidFill>
+          </a:ln>
+        </p:spPr>
+        <p:txBody>
+          <a:bodyPr vert="horz" lIns="91440" tIns="45720" rIns="91440" bIns="45720" rtlCol="0" anchor="ctr"/>
+          <a:lstStyle/>
+          <a:p>
+            <a:endParaRPr lang="pt-PT"/>
+          </a:p>
+        </p:txBody>
+      </p:sp>
+      <p:sp>
+        <p:nvSpPr>
+          <p:cNvPr id="5" name="Marcador de Posição de Notas 4"/>
+          <p:cNvSpPr>
+            <a:spLocks noGrp="1"/>
+          </p:cNvSpPr>
+          <p:nvPr>
+            <p:ph type="body" sz="quarter" idx="3"/>
+          </p:nvPr>
+        </p:nvSpPr>
+        <p:spPr>
+          <a:xfrm>
+            <a:off x="685800" y="4400550"/>
+            <a:ext cx="5486400" cy="3600450"/>
+          </a:xfrm>
+          <a:prstGeom prst="rect">
+            <a:avLst/>
+          </a:prstGeom>
+        </p:spPr>
+        <p:txBody>
+          <a:bodyPr vert="horz" lIns="91440" tIns="45720" rIns="91440" bIns="45720" rtlCol="0"/>
+          <a:lstStyle/>
+          <a:p>
+            <a:pPr lvl="0"/>
+            <a:r>
+              <a:rPr lang="pt-PT" smtClean="0"/>
+              <a:t>Clique para editar os estilos do texto de Modelo Global</a:t>
+            </a:r>
+          </a:p>
+          <a:p>
+            <a:pPr lvl="1"/>
+            <a:r>
+              <a:rPr lang="pt-PT" smtClean="0"/>
+              <a:t>Segundo nível</a:t>
+            </a:r>
+          </a:p>
+          <a:p>
+            <a:pPr lvl="2"/>
+            <a:r>
+              <a:rPr lang="pt-PT" smtClean="0"/>
+              <a:t>Terceiro nível</a:t>
+            </a:r>
+          </a:p>
+          <a:p>
+            <a:pPr lvl="3"/>
+            <a:r>
+              <a:rPr lang="pt-PT" smtClean="0"/>
+              <a:t>Quarto nível</a:t>
+            </a:r>
+          </a:p>
+          <a:p>
+            <a:pPr lvl="4"/>
+            <a:r>
+              <a:rPr lang="pt-PT" smtClean="0"/>
+              <a:t>Quinto nível</a:t>
+            </a:r>
+            <a:endParaRPr lang="pt-PT"/>
+          </a:p>
+        </p:txBody>
+      </p:sp>
+      <p:sp>
+        <p:nvSpPr>
+          <p:cNvPr id="6" name="Marcador de Posição do Rodapé 5"/>
+          <p:cNvSpPr>
+            <a:spLocks noGrp="1"/>
+          </p:cNvSpPr>
+          <p:nvPr>
+            <p:ph type="ftr" sz="quarter" idx="4"/>
+          </p:nvPr>
+        </p:nvSpPr>
+        <p:spPr>
+          <a:xfrm>
+            <a:off x="0" y="8685213"/>
+            <a:ext cx="2971800" cy="458787"/>
+          </a:xfrm>
+          <a:prstGeom prst="rect">
+            <a:avLst/>
+          </a:prstGeom>
+        </p:spPr>
+        <p:txBody>
+          <a:bodyPr vert="horz" lIns="91440" tIns="45720" rIns="91440" bIns="45720" rtlCol="0" anchor="b"/>
+          <a:lstStyle>
+            <a:lvl1pPr algn="l">
+              <a:defRPr sz="1200"/>
+            </a:lvl1pPr>
+          </a:lstStyle>
+          <a:p>
+            <a:endParaRPr lang="pt-PT"/>
+          </a:p>
+        </p:txBody>
+      </p:sp>
+      <p:sp>
+        <p:nvSpPr>
+          <p:cNvPr id="7" name="Marcador de Posição do Número do Diapositivo 6"/>
+          <p:cNvSpPr>
+            <a:spLocks noGrp="1"/>
+          </p:cNvSpPr>
+          <p:nvPr>
+            <p:ph type="sldNum" sz="quarter" idx="5"/>
+          </p:nvPr>
+        </p:nvSpPr>
+        <p:spPr>
+          <a:xfrm>
+            <a:off x="3884613" y="8685213"/>
+            <a:ext cx="2971800" cy="458787"/>
+          </a:xfrm>
+          <a:prstGeom prst="rect">
+            <a:avLst/>
+          </a:prstGeom>
+        </p:spPr>
+        <p:txBody>
+          <a:bodyPr vert="horz" lIns="91440" tIns="45720" rIns="91440" bIns="45720" rtlCol="0" anchor="b"/>
+          <a:lstStyle>
+            <a:lvl1pPr algn="r">
+              <a:defRPr sz="1200"/>
+            </a:lvl1pPr>
+          </a:lstStyle>
+          <a:p>
+            <a:fld id="{B9F0F4B2-4D94-BC40-BB02-D813309A2C88}" type="slidenum">
+              <a:rPr lang="pt-PT" smtClean="0"/>
+              <a:t>‹n.º›</a:t>
+            </a:fld>
+            <a:endParaRPr lang="pt-PT"/>
+          </a:p>
+        </p:txBody>
+      </p:sp>
+    </p:spTree>
+    <p:extLst>
+      <p:ext uri="{BB962C8B-B14F-4D97-AF65-F5344CB8AC3E}">
+        <p14:creationId xmlns:p14="http://schemas.microsoft.com/office/powerpoint/2010/main" val="1606695567"/>
+      </p:ext>
+    </p:extLst>
+  </p:cSld>
+  <p:clrMap bg1="lt1" tx1="dk1" bg2="lt2" tx2="dk2" accent1="accent1" accent2="accent2" accent3="accent3" accent4="accent4" accent5="accent5" accent6="accent6" hlink="hlink" folHlink="folHlink"/>
+  <p:notesStyle>
+    <a:lvl1pPr marL="0" algn="l" defTabSz="914400" rtl="0" eaLnBrk="1" latinLnBrk="0" hangingPunct="1">
+      <a:defRPr sz="1200" kern="1200">
+        <a:solidFill>
+          <a:schemeClr val="tx1"/>
+        </a:solidFill>
+        <a:latin typeface="+mn-lt"/>
+        <a:ea typeface="+mn-ea"/>
+        <a:cs typeface="+mn-cs"/>
+      </a:defRPr>
+    </a:lvl1pPr>
+    <a:lvl2pPr marL="457200" algn="l" defTabSz="914400" rtl="0" eaLnBrk="1" latinLnBrk="0" hangingPunct="1">
+      <a:defRPr sz="1200" kern="1200">
+        <a:solidFill>
+          <a:schemeClr val="tx1"/>
+        </a:solidFill>
+        <a:latin typeface="+mn-lt"/>
+        <a:ea typeface="+mn-ea"/>
+        <a:cs typeface="+mn-cs"/>
+      </a:defRPr>
+    </a:lvl2pPr>
+    <a:lvl3pPr marL="914400" algn="l" defTabSz="914400" rtl="0" eaLnBrk="1" latinLnBrk="0" hangingPunct="1">
+      <a:defRPr sz="1200" kern="1200">
+        <a:solidFill>
+          <a:schemeClr val="tx1"/>
+        </a:solidFill>
+        <a:latin typeface="+mn-lt"/>
+        <a:ea typeface="+mn-ea"/>
+        <a:cs typeface="+mn-cs"/>
+      </a:defRPr>
+    </a:lvl3pPr>
+    <a:lvl4pPr marL="1371600" algn="l" defTabSz="914400" rtl="0" eaLnBrk="1" latinLnBrk="0" hangingPunct="1">
+      <a:defRPr sz="1200" kern="1200">
+        <a:solidFill>
+          <a:schemeClr val="tx1"/>
+        </a:solidFill>
+        <a:latin typeface="+mn-lt"/>
+        <a:ea typeface="+mn-ea"/>
+        <a:cs typeface="+mn-cs"/>
+      </a:defRPr>
+    </a:lvl4pPr>
+    <a:lvl5pPr marL="1828800" algn="l" defTabSz="914400" rtl="0" eaLnBrk="1" latinLnBrk="0" hangingPunct="1">
+      <a:defRPr sz="1200" kern="1200">
+        <a:solidFill>
+          <a:schemeClr val="tx1"/>
+        </a:solidFill>
+        <a:latin typeface="+mn-lt"/>
+        <a:ea typeface="+mn-ea"/>
+        <a:cs typeface="+mn-cs"/>
+      </a:defRPr>
+    </a:lvl5pPr>
+    <a:lvl6pPr marL="2286000" algn="l" defTabSz="914400" rtl="0" eaLnBrk="1" latinLnBrk="0" hangingPunct="1">
+      <a:defRPr sz="1200" kern="1200">
+        <a:solidFill>
+          <a:schemeClr val="tx1"/>
+        </a:solidFill>
+        <a:latin typeface="+mn-lt"/>
+        <a:ea typeface="+mn-ea"/>
+        <a:cs typeface="+mn-cs"/>
+      </a:defRPr>
+    </a:lvl6pPr>
+    <a:lvl7pPr marL="2743200" algn="l" defTabSz="914400" rtl="0" eaLnBrk="1" latinLnBrk="0" hangingPunct="1">
+      <a:defRPr sz="1200" kern="1200">
+        <a:solidFill>
+          <a:schemeClr val="tx1"/>
+        </a:solidFill>
+        <a:latin typeface="+mn-lt"/>
+        <a:ea typeface="+mn-ea"/>
+        <a:cs typeface="+mn-cs"/>
+      </a:defRPr>
+    </a:lvl7pPr>
+    <a:lvl8pPr marL="3200400" algn="l" defTabSz="914400" rtl="0" eaLnBrk="1" latinLnBrk="0" hangingPunct="1">
+      <a:defRPr sz="1200" kern="1200">
+        <a:solidFill>
+          <a:schemeClr val="tx1"/>
+        </a:solidFill>
+        <a:latin typeface="+mn-lt"/>
+        <a:ea typeface="+mn-ea"/>
+        <a:cs typeface="+mn-cs"/>
+      </a:defRPr>
+    </a:lvl8pPr>
+    <a:lvl9pPr marL="3657600" algn="l" defTabSz="914400" rtl="0" eaLnBrk="1" latinLnBrk="0" hangingPunct="1">
+      <a:defRPr sz="1200" kern="1200">
+        <a:solidFill>
+          <a:schemeClr val="tx1"/>
+        </a:solidFill>
+        <a:latin typeface="+mn-lt"/>
+        <a:ea typeface="+mn-ea"/>
+        <a:cs typeface="+mn-cs"/>
+      </a:defRPr>
+    </a:lvl9pPr>
+  </p:notesStyle>
+</p:notesMaster>
+</file>
+
+<file path=ppt/notesSlides/notesSlide1.xml><?xml version="1.0" encoding="utf-8"?>
+<p:notes xmlns:a="http://schemas.openxmlformats.org/drawingml/2006/main" xmlns:r="http://schemas.openxmlformats.org/officeDocument/2006/relationships" xmlns:p="http://schemas.openxmlformats.org/presentationml/2006/main">
+  <p:cSld>
+    <p:spTree>
+      <p:nvGrpSpPr>
+        <p:cNvPr id="1" name=""/>
+        <p:cNvGrpSpPr/>
+        <p:nvPr/>
+      </p:nvGrpSpPr>
+      <p:grpSpPr>
+        <a:xfrm>
+          <a:off x="0" y="0"/>
+          <a:ext cx="0" cy="0"/>
+          <a:chOff x="0" y="0"/>
+          <a:chExt cx="0" cy="0"/>
+        </a:xfrm>
+      </p:grpSpPr>
+      <p:sp>
+        <p:nvSpPr>
+          <p:cNvPr id="2" name="Marcador de Posição da Imagem do Diapositivo 1"/>
+          <p:cNvSpPr>
+            <a:spLocks noGrp="1" noRot="1" noChangeAspect="1"/>
+          </p:cNvSpPr>
+          <p:nvPr>
+            <p:ph type="sldImg"/>
+          </p:nvPr>
+        </p:nvSpPr>
+        <p:spPr/>
+      </p:sp>
+      <p:sp>
+        <p:nvSpPr>
+          <p:cNvPr id="3" name="Marcador de Posição de Notas 2"/>
+          <p:cNvSpPr>
+            <a:spLocks noGrp="1"/>
+          </p:cNvSpPr>
+          <p:nvPr>
+            <p:ph type="body" idx="1"/>
+          </p:nvPr>
+        </p:nvSpPr>
+        <p:spPr/>
+        <p:txBody>
+          <a:bodyPr/>
+          <a:lstStyle/>
+          <a:p>
+            <a:endParaRPr lang="pt-PT" dirty="0"/>
+          </a:p>
+        </p:txBody>
+      </p:sp>
+      <p:sp>
+        <p:nvSpPr>
+          <p:cNvPr id="4" name="Marcador de Posição do Número do Diapositivo 3"/>
+          <p:cNvSpPr>
+            <a:spLocks noGrp="1"/>
+          </p:cNvSpPr>
+          <p:nvPr>
+            <p:ph type="sldNum" sz="quarter" idx="10"/>
+          </p:nvPr>
+        </p:nvSpPr>
+        <p:spPr/>
+        <p:txBody>
+          <a:bodyPr/>
+          <a:lstStyle/>
+          <a:p>
+            <a:fld id="{B9F0F4B2-4D94-BC40-BB02-D813309A2C88}" type="slidenum">
+              <a:rPr lang="pt-PT" smtClean="0"/>
+              <a:t>4</a:t>
+            </a:fld>
+            <a:endParaRPr lang="pt-PT"/>
+          </a:p>
+        </p:txBody>
+      </p:sp>
+    </p:spTree>
+    <p:extLst>
+      <p:ext uri="{BB962C8B-B14F-4D97-AF65-F5344CB8AC3E}">
+        <p14:creationId xmlns:p14="http://schemas.microsoft.com/office/powerpoint/2010/main" val="1273017191"/>
+      </p:ext>
+    </p:extLst>
+  </p:cSld>
+  <p:clrMapOvr>
+    <a:masterClrMapping/>
+  </p:clrMapOvr>
+</p:notes>
+</file>
+
+<file path=ppt/notesSlides/notesSlide2.xml><?xml version="1.0" encoding="utf-8"?>
+<p:notes xmlns:a="http://schemas.openxmlformats.org/drawingml/2006/main" xmlns:r="http://schemas.openxmlformats.org/officeDocument/2006/relationships" xmlns:p="http://schemas.openxmlformats.org/presentationml/2006/main">
+  <p:cSld>
+    <p:spTree>
+      <p:nvGrpSpPr>
+        <p:cNvPr id="1" name=""/>
+        <p:cNvGrpSpPr/>
+        <p:nvPr/>
+      </p:nvGrpSpPr>
+      <p:grpSpPr>
+        <a:xfrm>
+          <a:off x="0" y="0"/>
+          <a:ext cx="0" cy="0"/>
+          <a:chOff x="0" y="0"/>
+          <a:chExt cx="0" cy="0"/>
+        </a:xfrm>
+      </p:grpSpPr>
+      <p:sp>
+        <p:nvSpPr>
+          <p:cNvPr id="2" name="Marcador de Posição da Imagem do Diapositivo 1"/>
+          <p:cNvSpPr>
+            <a:spLocks noGrp="1" noRot="1" noChangeAspect="1"/>
+          </p:cNvSpPr>
+          <p:nvPr>
+            <p:ph type="sldImg"/>
+          </p:nvPr>
+        </p:nvSpPr>
+        <p:spPr/>
+      </p:sp>
+      <p:sp>
+        <p:nvSpPr>
+          <p:cNvPr id="3" name="Marcador de Posição de Notas 2"/>
+          <p:cNvSpPr>
+            <a:spLocks noGrp="1"/>
+          </p:cNvSpPr>
+          <p:nvPr>
+            <p:ph type="body" idx="1"/>
+          </p:nvPr>
+        </p:nvSpPr>
+        <p:spPr/>
+        <p:txBody>
+          <a:bodyPr/>
+          <a:lstStyle/>
+          <a:p>
+            <a:endParaRPr lang="pt-PT" dirty="0"/>
+          </a:p>
+        </p:txBody>
+      </p:sp>
+      <p:sp>
+        <p:nvSpPr>
+          <p:cNvPr id="4" name="Marcador de Posição do Número do Diapositivo 3"/>
+          <p:cNvSpPr>
+            <a:spLocks noGrp="1"/>
+          </p:cNvSpPr>
+          <p:nvPr>
+            <p:ph type="sldNum" sz="quarter" idx="10"/>
+          </p:nvPr>
+        </p:nvSpPr>
+        <p:spPr/>
+        <p:txBody>
+          <a:bodyPr/>
+          <a:lstStyle/>
+          <a:p>
+            <a:fld id="{B9F0F4B2-4D94-BC40-BB02-D813309A2C88}" type="slidenum">
+              <a:rPr lang="pt-PT" smtClean="0"/>
+              <a:t>5</a:t>
+            </a:fld>
+            <a:endParaRPr lang="pt-PT"/>
+          </a:p>
+        </p:txBody>
+      </p:sp>
+    </p:spTree>
+    <p:extLst>
+      <p:ext uri="{BB962C8B-B14F-4D97-AF65-F5344CB8AC3E}">
+        <p14:creationId xmlns:p14="http://schemas.microsoft.com/office/powerpoint/2010/main" val="1657879801"/>
+      </p:ext>
+    </p:extLst>
+  </p:cSld>
+  <p:clrMapOvr>
+    <a:masterClrMapping/>
+  </p:clrMapOvr>
+</p:notes>
+</file>
+
+<file path=ppt/notesSlides/notesSlide3.xml><?xml version="1.0" encoding="utf-8"?>
+<p:notes xmlns:a="http://schemas.openxmlformats.org/drawingml/2006/main" xmlns:r="http://schemas.openxmlformats.org/officeDocument/2006/relationships" xmlns:p="http://schemas.openxmlformats.org/presentationml/2006/main">
+  <p:cSld>
+    <p:spTree>
+      <p:nvGrpSpPr>
+        <p:cNvPr id="1" name=""/>
+        <p:cNvGrpSpPr/>
+        <p:nvPr/>
+      </p:nvGrpSpPr>
+      <p:grpSpPr>
+        <a:xfrm>
+          <a:off x="0" y="0"/>
+          <a:ext cx="0" cy="0"/>
+          <a:chOff x="0" y="0"/>
+          <a:chExt cx="0" cy="0"/>
+        </a:xfrm>
+      </p:grpSpPr>
+      <p:sp>
+        <p:nvSpPr>
+          <p:cNvPr id="2" name="Marcador de Posição da Imagem do Diapositivo 1"/>
+          <p:cNvSpPr>
+            <a:spLocks noGrp="1" noRot="1" noChangeAspect="1"/>
+          </p:cNvSpPr>
+          <p:nvPr>
+            <p:ph type="sldImg"/>
+          </p:nvPr>
+        </p:nvSpPr>
+        <p:spPr/>
+      </p:sp>
+      <p:sp>
+        <p:nvSpPr>
+          <p:cNvPr id="3" name="Marcador de Posição de Notas 2"/>
+          <p:cNvSpPr>
+            <a:spLocks noGrp="1"/>
+          </p:cNvSpPr>
+          <p:nvPr>
+            <p:ph type="body" idx="1"/>
+          </p:nvPr>
+        </p:nvSpPr>
+        <p:spPr/>
+        <p:txBody>
+          <a:bodyPr/>
+          <a:lstStyle/>
+          <a:p>
+            <a:r>
+              <a:rPr lang="pt-PT" dirty="0" smtClean="0"/>
+              <a:t>Linhas do programa</a:t>
+            </a:r>
+            <a:endParaRPr lang="pt-PT" dirty="0"/>
+          </a:p>
+        </p:txBody>
+      </p:sp>
+      <p:sp>
+        <p:nvSpPr>
+          <p:cNvPr id="4" name="Marcador de Posição do Número do Diapositivo 3"/>
+          <p:cNvSpPr>
+            <a:spLocks noGrp="1"/>
+          </p:cNvSpPr>
+          <p:nvPr>
+            <p:ph type="sldNum" sz="quarter" idx="10"/>
+          </p:nvPr>
+        </p:nvSpPr>
+        <p:spPr/>
+        <p:txBody>
+          <a:bodyPr/>
+          <a:lstStyle/>
+          <a:p>
+            <a:fld id="{B9F0F4B2-4D94-BC40-BB02-D813309A2C88}" type="slidenum">
+              <a:rPr lang="pt-PT" smtClean="0"/>
+              <a:t>6</a:t>
+            </a:fld>
+            <a:endParaRPr lang="pt-PT"/>
+          </a:p>
+        </p:txBody>
+      </p:sp>
+    </p:spTree>
+    <p:extLst>
+      <p:ext uri="{BB962C8B-B14F-4D97-AF65-F5344CB8AC3E}">
+        <p14:creationId xmlns:p14="http://schemas.microsoft.com/office/powerpoint/2010/main" val="1256191904"/>
+      </p:ext>
+    </p:extLst>
+  </p:cSld>
+  <p:clrMapOvr>
+    <a:masterClrMapping/>
+  </p:clrMapOvr>
+</p:notes>
+</file>
+
+<file path=ppt/notesSlides/notesSlide4.xml><?xml version="1.0" encoding="utf-8"?>
+<p:notes xmlns:a="http://schemas.openxmlformats.org/drawingml/2006/main" xmlns:r="http://schemas.openxmlformats.org/officeDocument/2006/relationships" xmlns:p="http://schemas.openxmlformats.org/presentationml/2006/main">
+  <p:cSld>
+    <p:spTree>
+      <p:nvGrpSpPr>
+        <p:cNvPr id="1" name=""/>
+        <p:cNvGrpSpPr/>
+        <p:nvPr/>
+      </p:nvGrpSpPr>
+      <p:grpSpPr>
+        <a:xfrm>
+          <a:off x="0" y="0"/>
+          <a:ext cx="0" cy="0"/>
+          <a:chOff x="0" y="0"/>
+          <a:chExt cx="0" cy="0"/>
+        </a:xfrm>
+      </p:grpSpPr>
+      <p:sp>
+        <p:nvSpPr>
+          <p:cNvPr id="2" name="Marcador de Posição da Imagem do Diapositivo 1"/>
+          <p:cNvSpPr>
+            <a:spLocks noGrp="1" noRot="1" noChangeAspect="1"/>
+          </p:cNvSpPr>
+          <p:nvPr>
+            <p:ph type="sldImg"/>
+          </p:nvPr>
+        </p:nvSpPr>
+        <p:spPr/>
+      </p:sp>
+      <p:sp>
+        <p:nvSpPr>
+          <p:cNvPr id="3" name="Marcador de Posição de Notas 2"/>
+          <p:cNvSpPr>
+            <a:spLocks noGrp="1"/>
+          </p:cNvSpPr>
+          <p:nvPr>
+            <p:ph type="body" idx="1"/>
+          </p:nvPr>
+        </p:nvSpPr>
+        <p:spPr/>
+        <p:txBody>
+          <a:bodyPr/>
+          <a:lstStyle/>
+          <a:p>
+            <a:endParaRPr lang="pt-PT" dirty="0"/>
+          </a:p>
+        </p:txBody>
+      </p:sp>
+      <p:sp>
+        <p:nvSpPr>
+          <p:cNvPr id="4" name="Marcador de Posição do Número do Diapositivo 3"/>
+          <p:cNvSpPr>
+            <a:spLocks noGrp="1"/>
+          </p:cNvSpPr>
+          <p:nvPr>
+            <p:ph type="sldNum" sz="quarter" idx="10"/>
+          </p:nvPr>
+        </p:nvSpPr>
+        <p:spPr/>
+        <p:txBody>
+          <a:bodyPr/>
+          <a:lstStyle/>
+          <a:p>
+            <a:fld id="{B9F0F4B2-4D94-BC40-BB02-D813309A2C88}" type="slidenum">
+              <a:rPr lang="pt-PT" smtClean="0"/>
+              <a:t>7</a:t>
+            </a:fld>
+            <a:endParaRPr lang="pt-PT"/>
+          </a:p>
+        </p:txBody>
+      </p:sp>
+    </p:spTree>
+    <p:extLst>
+      <p:ext uri="{BB962C8B-B14F-4D97-AF65-F5344CB8AC3E}">
+        <p14:creationId xmlns:p14="http://schemas.microsoft.com/office/powerpoint/2010/main" val="1693156283"/>
+      </p:ext>
+    </p:extLst>
+  </p:cSld>
+  <p:clrMapOvr>
+    <a:masterClrMapping/>
+  </p:clrMapOvr>
+</p:notes>
 </file>
 
 <file path=ppt/slideLayouts/slideLayout1.xml><?xml version="1.0" encoding="utf-8"?>
@@ -244,7 +961,7 @@
           <a:p>
             <a:fld id="{C92E202C-74FA-1E4C-9354-78BB42DCC506}" type="datetimeFigureOut">
               <a:rPr lang="pt-PT" smtClean="0"/>
-              <a:t>02/07/17</a:t>
+              <a:t>01/11/17</a:t>
             </a:fld>
             <a:endParaRPr lang="pt-PT"/>
           </a:p>
@@ -414,7 +1131,7 @@
           <a:p>
             <a:fld id="{C92E202C-74FA-1E4C-9354-78BB42DCC506}" type="datetimeFigureOut">
               <a:rPr lang="pt-PT" smtClean="0"/>
-              <a:t>02/07/17</a:t>
+              <a:t>01/11/17</a:t>
             </a:fld>
             <a:endParaRPr lang="pt-PT"/>
           </a:p>
@@ -594,7 +1311,7 @@
           <a:p>
             <a:fld id="{C92E202C-74FA-1E4C-9354-78BB42DCC506}" type="datetimeFigureOut">
               <a:rPr lang="pt-PT" smtClean="0"/>
-              <a:t>02/07/17</a:t>
+              <a:t>01/11/17</a:t>
             </a:fld>
             <a:endParaRPr lang="pt-PT"/>
           </a:p>
@@ -764,7 +1481,7 @@
           <a:p>
             <a:fld id="{C92E202C-74FA-1E4C-9354-78BB42DCC506}" type="datetimeFigureOut">
               <a:rPr lang="pt-PT" smtClean="0"/>
-              <a:t>02/07/17</a:t>
+              <a:t>01/11/17</a:t>
             </a:fld>
             <a:endParaRPr lang="pt-PT"/>
           </a:p>
@@ -1010,7 +1727,7 @@
           <a:p>
             <a:fld id="{C92E202C-74FA-1E4C-9354-78BB42DCC506}" type="datetimeFigureOut">
               <a:rPr lang="pt-PT" smtClean="0"/>
-              <a:t>02/07/17</a:t>
+              <a:t>01/11/17</a:t>
             </a:fld>
             <a:endParaRPr lang="pt-PT"/>
           </a:p>
@@ -1242,7 +1959,7 @@
           <a:p>
             <a:fld id="{C92E202C-74FA-1E4C-9354-78BB42DCC506}" type="datetimeFigureOut">
               <a:rPr lang="pt-PT" smtClean="0"/>
-              <a:t>02/07/17</a:t>
+              <a:t>01/11/17</a:t>
             </a:fld>
             <a:endParaRPr lang="pt-PT"/>
           </a:p>
@@ -1609,7 +2326,7 @@
           <a:p>
             <a:fld id="{C92E202C-74FA-1E4C-9354-78BB42DCC506}" type="datetimeFigureOut">
               <a:rPr lang="pt-PT" smtClean="0"/>
-              <a:t>02/07/17</a:t>
+              <a:t>01/11/17</a:t>
             </a:fld>
             <a:endParaRPr lang="pt-PT"/>
           </a:p>
@@ -1727,7 +2444,7 @@
           <a:p>
             <a:fld id="{C92E202C-74FA-1E4C-9354-78BB42DCC506}" type="datetimeFigureOut">
               <a:rPr lang="pt-PT" smtClean="0"/>
-              <a:t>02/07/17</a:t>
+              <a:t>01/11/17</a:t>
             </a:fld>
             <a:endParaRPr lang="pt-PT"/>
           </a:p>
@@ -1822,7 +2539,7 @@
           <a:p>
             <a:fld id="{C92E202C-74FA-1E4C-9354-78BB42DCC506}" type="datetimeFigureOut">
               <a:rPr lang="pt-PT" smtClean="0"/>
-              <a:t>02/07/17</a:t>
+              <a:t>01/11/17</a:t>
             </a:fld>
             <a:endParaRPr lang="pt-PT"/>
           </a:p>
@@ -2099,7 +2816,7 @@
           <a:p>
             <a:fld id="{C92E202C-74FA-1E4C-9354-78BB42DCC506}" type="datetimeFigureOut">
               <a:rPr lang="pt-PT" smtClean="0"/>
-              <a:t>02/07/17</a:t>
+              <a:t>01/11/17</a:t>
             </a:fld>
             <a:endParaRPr lang="pt-PT"/>
           </a:p>
@@ -2352,7 +3069,7 @@
           <a:p>
             <a:fld id="{C92E202C-74FA-1E4C-9354-78BB42DCC506}" type="datetimeFigureOut">
               <a:rPr lang="pt-PT" smtClean="0"/>
-              <a:t>02/07/17</a:t>
+              <a:t>01/11/17</a:t>
             </a:fld>
             <a:endParaRPr lang="pt-PT"/>
           </a:p>
@@ -2565,7 +3282,7 @@
           <a:p>
             <a:fld id="{C92E202C-74FA-1E4C-9354-78BB42DCC506}" type="datetimeFigureOut">
               <a:rPr lang="pt-PT" smtClean="0"/>
-              <a:t>02/07/17</a:t>
+              <a:t>01/11/17</a:t>
             </a:fld>
             <a:endParaRPr lang="pt-PT"/>
           </a:p>
@@ -2970,310 +3687,9 @@
           <a:chExt cx="0" cy="0"/>
         </a:xfrm>
       </p:grpSpPr>
-      <p:sp>
-        <p:nvSpPr>
-          <p:cNvPr id="7" name="Retângulo 6"/>
-          <p:cNvSpPr/>
-          <p:nvPr/>
-        </p:nvSpPr>
-        <p:spPr>
-          <a:xfrm>
-            <a:off x="1879601" y="258678"/>
-            <a:ext cx="1474198" cy="1615827"/>
-          </a:xfrm>
-          <a:prstGeom prst="rect">
-            <a:avLst/>
-          </a:prstGeom>
-        </p:spPr>
-        <p:txBody>
-          <a:bodyPr wrap="square">
-            <a:spAutoFit/>
-          </a:bodyPr>
-          <a:lstStyle/>
-          <a:p>
-            <a:pPr algn="ctr"/>
-            <a:r>
-              <a:rPr lang="pt-PT" sz="9600" b="1" cap="none" spc="0" dirty="0" smtClean="0">
-                <a:ln w="12700">
-                  <a:noFill/>
-                  <a:prstDash val="solid"/>
-                </a:ln>
-                <a:solidFill>
-                  <a:srgbClr val="FF0000"/>
-                </a:solidFill>
-                <a:latin typeface="Arial" charset="0"/>
-                <a:ea typeface="Arial" charset="0"/>
-                <a:cs typeface="Arial" charset="0"/>
-              </a:rPr>
-              <a:t>@</a:t>
-            </a:r>
-            <a:endParaRPr lang="pt-PT" sz="9600" b="1" cap="none" spc="0" dirty="0">
-              <a:ln w="12700">
-                <a:noFill/>
-                <a:prstDash val="solid"/>
-              </a:ln>
-              <a:solidFill>
-                <a:srgbClr val="FF0000"/>
-              </a:solidFill>
-              <a:latin typeface="Arial" charset="0"/>
-              <a:ea typeface="Arial" charset="0"/>
-              <a:cs typeface="Arial" charset="0"/>
-            </a:endParaRPr>
-          </a:p>
-        </p:txBody>
-      </p:sp>
-      <p:sp>
-        <p:nvSpPr>
-          <p:cNvPr id="9" name="Retângulo 8"/>
-          <p:cNvSpPr/>
-          <p:nvPr/>
-        </p:nvSpPr>
-        <p:spPr>
-          <a:xfrm>
-            <a:off x="3235265" y="581844"/>
-            <a:ext cx="5224508" cy="923330"/>
-          </a:xfrm>
-          <a:prstGeom prst="rect">
-            <a:avLst/>
-          </a:prstGeom>
-          <a:noFill/>
-        </p:spPr>
-        <p:txBody>
-          <a:bodyPr wrap="none" lIns="91440" tIns="45720" rIns="91440" bIns="45720">
-            <a:spAutoFit/>
-          </a:bodyPr>
-          <a:lstStyle/>
-          <a:p>
-            <a:pPr algn="ctr"/>
-            <a:r>
-              <a:rPr lang="pt-PT" sz="5400" b="1" cap="none" spc="0" dirty="0" smtClean="0">
-                <a:ln w="12700">
-                  <a:noFill/>
-                  <a:prstDash val="solid"/>
-                </a:ln>
-                <a:solidFill>
-                  <a:srgbClr val="FF0000"/>
-                </a:solidFill>
-                <a:latin typeface="Arial" charset="0"/>
-                <a:ea typeface="Arial" charset="0"/>
-                <a:cs typeface="Arial" charset="0"/>
-              </a:rPr>
-              <a:t>{porumacausa}</a:t>
-            </a:r>
-            <a:endParaRPr lang="pt-PT" sz="5400" b="1" cap="none" spc="0" dirty="0">
-              <a:ln w="12700">
-                <a:noFill/>
-                <a:prstDash val="solid"/>
-              </a:ln>
-              <a:solidFill>
-                <a:srgbClr val="FF0000"/>
-              </a:solidFill>
-              <a:latin typeface="Arial" charset="0"/>
-              <a:ea typeface="Arial" charset="0"/>
-              <a:cs typeface="Arial" charset="0"/>
-            </a:endParaRPr>
-          </a:p>
-        </p:txBody>
-      </p:sp>
-      <p:sp>
-        <p:nvSpPr>
-          <p:cNvPr id="10" name="CaixaDeTexto 9"/>
-          <p:cNvSpPr txBox="1"/>
-          <p:nvPr/>
-        </p:nvSpPr>
-        <p:spPr>
-          <a:xfrm>
-            <a:off x="5532666" y="1461953"/>
-            <a:ext cx="2929007" cy="369332"/>
-          </a:xfrm>
-          <a:prstGeom prst="rect">
-            <a:avLst/>
-          </a:prstGeom>
-          <a:noFill/>
-        </p:spPr>
-        <p:txBody>
-          <a:bodyPr wrap="none" rtlCol="0">
-            <a:spAutoFit/>
-          </a:bodyPr>
-          <a:lstStyle/>
-          <a:p>
-            <a:r>
-              <a:rPr lang="pt-PT" i="1" dirty="0" smtClean="0">
-                <a:latin typeface="Arial" charset="0"/>
-                <a:ea typeface="Arial" charset="0"/>
-                <a:cs typeface="Arial" charset="0"/>
-              </a:rPr>
-              <a:t>Makers Community Impact</a:t>
-            </a:r>
-            <a:endParaRPr lang="pt-PT" i="1" dirty="0">
-              <a:latin typeface="Arial" charset="0"/>
-              <a:ea typeface="Arial" charset="0"/>
-              <a:cs typeface="Arial" charset="0"/>
-            </a:endParaRPr>
-          </a:p>
-        </p:txBody>
-      </p:sp>
       <p:grpSp>
         <p:nvGrpSpPr>
-          <p:cNvPr id="14" name="Grupo 13"/>
-          <p:cNvGrpSpPr/>
-          <p:nvPr/>
-        </p:nvGrpSpPr>
-        <p:grpSpPr>
-          <a:xfrm>
-            <a:off x="1879601" y="2666598"/>
-            <a:ext cx="6580172" cy="1615827"/>
-            <a:chOff x="1879601" y="2666598"/>
-            <a:chExt cx="6580172" cy="1615827"/>
-          </a:xfrm>
-        </p:grpSpPr>
-        <p:sp>
-          <p:nvSpPr>
-            <p:cNvPr id="11" name="Retângulo 10"/>
-            <p:cNvSpPr/>
-            <p:nvPr/>
-          </p:nvSpPr>
-          <p:spPr>
-            <a:xfrm>
-              <a:off x="1879601" y="2666598"/>
-              <a:ext cx="1474198" cy="1615827"/>
-            </a:xfrm>
-            <a:prstGeom prst="rect">
-              <a:avLst/>
-            </a:prstGeom>
-          </p:spPr>
-          <p:txBody>
-            <a:bodyPr wrap="square">
-              <a:spAutoFit/>
-            </a:bodyPr>
-            <a:lstStyle/>
-            <a:p>
-              <a:pPr algn="ctr"/>
-              <a:r>
-                <a:rPr lang="pt-PT" sz="9600" b="1" cap="none" spc="0" dirty="0" smtClean="0">
-                  <a:ln w="12700">
-                    <a:noFill/>
-                    <a:prstDash val="solid"/>
-                  </a:ln>
-                  <a:solidFill>
-                    <a:srgbClr val="FF0000"/>
-                  </a:solidFill>
-                  <a:latin typeface="Arial" charset="0"/>
-                  <a:ea typeface="Arial" charset="0"/>
-                  <a:cs typeface="Arial" charset="0"/>
-                </a:rPr>
-                <a:t>@</a:t>
-              </a:r>
-              <a:endParaRPr lang="pt-PT" sz="9600" b="1" cap="none" spc="0" dirty="0">
-                <a:ln w="12700">
-                  <a:noFill/>
-                  <a:prstDash val="solid"/>
-                </a:ln>
-                <a:solidFill>
-                  <a:srgbClr val="FF0000"/>
-                </a:solidFill>
-                <a:latin typeface="Arial" charset="0"/>
-                <a:ea typeface="Arial" charset="0"/>
-                <a:cs typeface="Arial" charset="0"/>
-              </a:endParaRPr>
-            </a:p>
-          </p:txBody>
-        </p:sp>
-        <p:sp>
-          <p:nvSpPr>
-            <p:cNvPr id="12" name="Retângulo 11"/>
-            <p:cNvSpPr/>
-            <p:nvPr/>
-          </p:nvSpPr>
-          <p:spPr>
-            <a:xfrm>
-              <a:off x="3235265" y="2989764"/>
-              <a:ext cx="5224508" cy="923330"/>
-            </a:xfrm>
-            <a:prstGeom prst="rect">
-              <a:avLst/>
-            </a:prstGeom>
-            <a:noFill/>
-          </p:spPr>
-          <p:txBody>
-            <a:bodyPr wrap="none" lIns="91440" tIns="45720" rIns="91440" bIns="45720">
-              <a:spAutoFit/>
-            </a:bodyPr>
-            <a:lstStyle/>
-            <a:p>
-              <a:pPr algn="ctr"/>
-              <a:r>
-                <a:rPr lang="pt-PT" sz="5400" b="1" cap="none" spc="0" dirty="0" smtClean="0">
-                  <a:ln w="12700">
-                    <a:noFill/>
-                    <a:prstDash val="solid"/>
-                  </a:ln>
-                  <a:solidFill>
-                    <a:srgbClr val="FF0000"/>
-                  </a:solidFill>
-                  <a:latin typeface="Arial" charset="0"/>
-                  <a:ea typeface="Arial" charset="0"/>
-                  <a:cs typeface="Arial" charset="0"/>
-                </a:rPr>
-                <a:t>{porumacausa}</a:t>
-              </a:r>
-              <a:endParaRPr lang="pt-PT" sz="5400" b="1" cap="none" spc="0" dirty="0">
-                <a:ln w="12700">
-                  <a:noFill/>
-                  <a:prstDash val="solid"/>
-                </a:ln>
-                <a:solidFill>
-                  <a:srgbClr val="FF0000"/>
-                </a:solidFill>
-                <a:latin typeface="Arial" charset="0"/>
-                <a:ea typeface="Arial" charset="0"/>
-                <a:cs typeface="Arial" charset="0"/>
-              </a:endParaRPr>
-            </a:p>
-          </p:txBody>
-        </p:sp>
-        <p:sp>
-          <p:nvSpPr>
-            <p:cNvPr id="13" name="CaixaDeTexto 12"/>
-            <p:cNvSpPr txBox="1"/>
-            <p:nvPr/>
-          </p:nvSpPr>
-          <p:spPr>
-            <a:xfrm>
-              <a:off x="5338406" y="3893500"/>
-              <a:ext cx="3121367" cy="369332"/>
-            </a:xfrm>
-            <a:prstGeom prst="rect">
-              <a:avLst/>
-            </a:prstGeom>
-            <a:noFill/>
-          </p:spPr>
-          <p:txBody>
-            <a:bodyPr wrap="none" rtlCol="0">
-              <a:spAutoFit/>
-            </a:bodyPr>
-            <a:lstStyle/>
-            <a:p>
-              <a:r>
-                <a:rPr lang="pt-PT" b="1" dirty="0" smtClean="0">
-                  <a:latin typeface="Arial" charset="0"/>
-                  <a:ea typeface="Arial" charset="0"/>
-                  <a:cs typeface="Arial" charset="0"/>
-                </a:rPr>
-                <a:t>Makers Community Impact</a:t>
-              </a:r>
-              <a:endParaRPr lang="pt-PT" b="1" dirty="0">
-                <a:latin typeface="Arial" charset="0"/>
-                <a:ea typeface="Arial" charset="0"/>
-                <a:cs typeface="Arial" charset="0"/>
-              </a:endParaRPr>
-            </a:p>
-          </p:txBody>
-        </p:sp>
-      </p:grpSp>
-      <p:grpSp>
-        <p:nvGrpSpPr>
-          <p:cNvPr id="18" name="Grupo 17"/>
+          <p:cNvPr id="15" name="Grupo 14"/>
           <p:cNvGrpSpPr/>
           <p:nvPr/>
         </p:nvGrpSpPr>
@@ -3287,7 +3703,7 @@
         </p:grpSpPr>
         <p:sp>
           <p:nvSpPr>
-            <p:cNvPr id="16" name="Retângulo 15"/>
+            <p:cNvPr id="19" name="Retângulo 18"/>
             <p:cNvSpPr/>
             <p:nvPr/>
           </p:nvSpPr>
@@ -3340,7 +3756,7 @@
         </p:sp>
         <p:sp>
           <p:nvSpPr>
-            <p:cNvPr id="17" name="CaixaDeTexto 16"/>
+            <p:cNvPr id="20" name="CaixaDeTexto 19"/>
             <p:cNvSpPr txBox="1"/>
             <p:nvPr/>
           </p:nvSpPr>
@@ -3377,6 +3793,30 @@
           </p:txBody>
         </p:sp>
       </p:grpSp>
+      <p:pic>
+        <p:nvPicPr>
+          <p:cNvPr id="21" name="Imagem 20"/>
+          <p:cNvPicPr>
+            <a:picLocks noChangeAspect="1"/>
+          </p:cNvPicPr>
+          <p:nvPr/>
+        </p:nvPicPr>
+        <p:blipFill>
+          <a:blip r:embed="rId2"/>
+          <a:stretch>
+            <a:fillRect/>
+          </a:stretch>
+        </p:blipFill>
+        <p:spPr>
+          <a:xfrm>
+            <a:off x="2143907" y="1529714"/>
+            <a:ext cx="7952149" cy="2113643"/>
+          </a:xfrm>
+          <a:prstGeom prst="rect">
+            <a:avLst/>
+          </a:prstGeom>
+        </p:spPr>
+      </p:pic>
     </p:spTree>
     <p:extLst>
       <p:ext uri="{BB962C8B-B14F-4D97-AF65-F5344CB8AC3E}">
@@ -3394,6 +3834,78 @@
       </p:par>
     </p:tnLst>
   </p:timing>
+</p:sld>
+</file>
+
+<file path=ppt/slides/slide10.xml><?xml version="1.0" encoding="utf-8"?>
+<p:sld xmlns:a="http://schemas.openxmlformats.org/drawingml/2006/main" xmlns:r="http://schemas.openxmlformats.org/officeDocument/2006/relationships" xmlns:p="http://schemas.openxmlformats.org/presentationml/2006/main">
+  <p:cSld>
+    <p:spTree>
+      <p:nvGrpSpPr>
+        <p:cNvPr id="1" name=""/>
+        <p:cNvGrpSpPr/>
+        <p:nvPr/>
+      </p:nvGrpSpPr>
+      <p:grpSpPr>
+        <a:xfrm>
+          <a:off x="0" y="0"/>
+          <a:ext cx="0" cy="0"/>
+          <a:chOff x="0" y="0"/>
+          <a:chExt cx="0" cy="0"/>
+        </a:xfrm>
+      </p:grpSpPr>
+      <p:sp>
+        <p:nvSpPr>
+          <p:cNvPr id="2" name="Título 1"/>
+          <p:cNvSpPr>
+            <a:spLocks noGrp="1"/>
+          </p:cNvSpPr>
+          <p:nvPr>
+            <p:ph type="title"/>
+          </p:nvPr>
+        </p:nvSpPr>
+        <p:spPr/>
+        <p:txBody>
+          <a:bodyPr/>
+          <a:lstStyle/>
+          <a:p>
+            <a:r>
+              <a:rPr lang="pt-PT" dirty="0" smtClean="0"/>
+              <a:t>Entrega a fundação a constituir para que o programa tenha sustentabilidade</a:t>
+            </a:r>
+            <a:endParaRPr lang="pt-PT" dirty="0"/>
+          </a:p>
+        </p:txBody>
+      </p:sp>
+      <p:sp>
+        <p:nvSpPr>
+          <p:cNvPr id="3" name="Marcador de Posição de Conteúdo 2"/>
+          <p:cNvSpPr>
+            <a:spLocks noGrp="1"/>
+          </p:cNvSpPr>
+          <p:nvPr>
+            <p:ph idx="1"/>
+          </p:nvPr>
+        </p:nvSpPr>
+        <p:spPr/>
+        <p:txBody>
+          <a:bodyPr/>
+          <a:lstStyle/>
+          <a:p>
+            <a:endParaRPr lang="pt-PT"/>
+          </a:p>
+        </p:txBody>
+      </p:sp>
+    </p:spTree>
+    <p:extLst>
+      <p:ext uri="{BB962C8B-B14F-4D97-AF65-F5344CB8AC3E}">
+        <p14:creationId xmlns:p14="http://schemas.microsoft.com/office/powerpoint/2010/main" val="1795028031"/>
+      </p:ext>
+    </p:extLst>
+  </p:cSld>
+  <p:clrMapOvr>
+    <a:masterClrMapping/>
+  </p:clrMapOvr>
 </p:sld>
 </file>
 
@@ -3666,6 +4178,1198 @@
 </p:sld>
 </file>
 
+<file path=ppt/slides/slide3.xml><?xml version="1.0" encoding="utf-8"?>
+<p:sld xmlns:a="http://schemas.openxmlformats.org/drawingml/2006/main" xmlns:r="http://schemas.openxmlformats.org/officeDocument/2006/relationships" xmlns:p="http://schemas.openxmlformats.org/presentationml/2006/main">
+  <p:cSld>
+    <p:bg>
+      <p:bgPr>
+        <a:solidFill>
+          <a:srgbClr val="FF0000"/>
+        </a:solidFill>
+        <a:effectLst/>
+      </p:bgPr>
+    </p:bg>
+    <p:spTree>
+      <p:nvGrpSpPr>
+        <p:cNvPr id="1" name=""/>
+        <p:cNvGrpSpPr/>
+        <p:nvPr/>
+      </p:nvGrpSpPr>
+      <p:grpSpPr>
+        <a:xfrm>
+          <a:off x="0" y="0"/>
+          <a:ext cx="0" cy="0"/>
+          <a:chOff x="0" y="0"/>
+          <a:chExt cx="0" cy="0"/>
+        </a:xfrm>
+      </p:grpSpPr>
+      <p:pic>
+        <p:nvPicPr>
+          <p:cNvPr id="3" name="Imagem 2"/>
+          <p:cNvPicPr>
+            <a:picLocks noChangeAspect="1"/>
+          </p:cNvPicPr>
+          <p:nvPr/>
+        </p:nvPicPr>
+        <p:blipFill>
+          <a:blip r:embed="rId2"/>
+          <a:stretch>
+            <a:fillRect/>
+          </a:stretch>
+        </p:blipFill>
+        <p:spPr>
+          <a:xfrm>
+            <a:off x="606251" y="1162596"/>
+            <a:ext cx="11225976" cy="3008268"/>
+          </a:xfrm>
+          <a:prstGeom prst="rect">
+            <a:avLst/>
+          </a:prstGeom>
+        </p:spPr>
+      </p:pic>
+      <p:sp>
+        <p:nvSpPr>
+          <p:cNvPr id="10" name="CaixaDeTexto 9"/>
+          <p:cNvSpPr txBox="1"/>
+          <p:nvPr/>
+        </p:nvSpPr>
+        <p:spPr>
+          <a:xfrm>
+            <a:off x="8026502" y="4934794"/>
+            <a:ext cx="2561407" cy="369332"/>
+          </a:xfrm>
+          <a:prstGeom prst="rect">
+            <a:avLst/>
+          </a:prstGeom>
+          <a:noFill/>
+        </p:spPr>
+        <p:txBody>
+          <a:bodyPr wrap="none" rtlCol="0">
+            <a:spAutoFit/>
+          </a:bodyPr>
+          <a:lstStyle/>
+          <a:p>
+            <a:r>
+              <a:rPr lang="pt-PT" b="1" smtClean="0">
+                <a:solidFill>
+                  <a:schemeClr val="bg1"/>
+                </a:solidFill>
+                <a:latin typeface="Arial" charset="0"/>
+                <a:ea typeface="Arial" charset="0"/>
+                <a:cs typeface="Arial" charset="0"/>
+              </a:rPr>
+              <a:t>www.porumacausa.pt</a:t>
+            </a:r>
+            <a:endParaRPr lang="pt-PT" b="1" dirty="0">
+              <a:solidFill>
+                <a:schemeClr val="bg1"/>
+              </a:solidFill>
+              <a:latin typeface="Arial" charset="0"/>
+              <a:ea typeface="Arial" charset="0"/>
+              <a:cs typeface="Arial" charset="0"/>
+            </a:endParaRPr>
+          </a:p>
+        </p:txBody>
+      </p:sp>
+      <p:sp>
+        <p:nvSpPr>
+          <p:cNvPr id="11" name="CaixaDeTexto 10"/>
+          <p:cNvSpPr txBox="1"/>
+          <p:nvPr/>
+        </p:nvSpPr>
+        <p:spPr>
+          <a:xfrm>
+            <a:off x="7870737" y="5245732"/>
+            <a:ext cx="2730235" cy="369332"/>
+          </a:xfrm>
+          <a:prstGeom prst="rect">
+            <a:avLst/>
+          </a:prstGeom>
+          <a:noFill/>
+        </p:spPr>
+        <p:txBody>
+          <a:bodyPr wrap="none" rtlCol="0">
+            <a:spAutoFit/>
+          </a:bodyPr>
+          <a:lstStyle/>
+          <a:p>
+            <a:r>
+              <a:rPr lang="pt-PT" b="1" dirty="0" err="1" smtClean="0">
+                <a:solidFill>
+                  <a:schemeClr val="bg1"/>
+                </a:solidFill>
+                <a:latin typeface="Arial" charset="0"/>
+                <a:ea typeface="Arial" charset="0"/>
+                <a:cs typeface="Arial" charset="0"/>
+              </a:rPr>
+              <a:t>hello@porumacausa.pt</a:t>
+            </a:r>
+            <a:endParaRPr lang="pt-PT" b="1" dirty="0">
+              <a:solidFill>
+                <a:schemeClr val="bg1"/>
+              </a:solidFill>
+              <a:latin typeface="Arial" charset="0"/>
+              <a:ea typeface="Arial" charset="0"/>
+              <a:cs typeface="Arial" charset="0"/>
+            </a:endParaRPr>
+          </a:p>
+        </p:txBody>
+      </p:sp>
+      <p:sp>
+        <p:nvSpPr>
+          <p:cNvPr id="12" name="CaixaDeTexto 11"/>
+          <p:cNvSpPr txBox="1"/>
+          <p:nvPr/>
+        </p:nvSpPr>
+        <p:spPr>
+          <a:xfrm>
+            <a:off x="8575139" y="5608923"/>
+            <a:ext cx="2114681" cy="369332"/>
+          </a:xfrm>
+          <a:prstGeom prst="rect">
+            <a:avLst/>
+          </a:prstGeom>
+          <a:noFill/>
+        </p:spPr>
+        <p:txBody>
+          <a:bodyPr wrap="none" rtlCol="0">
+            <a:spAutoFit/>
+          </a:bodyPr>
+          <a:lstStyle/>
+          <a:p>
+            <a:r>
+              <a:rPr lang="pt-PT" b="1" dirty="0" smtClean="0">
+                <a:solidFill>
+                  <a:schemeClr val="bg1"/>
+                </a:solidFill>
+                <a:latin typeface="Arial" charset="0"/>
+                <a:ea typeface="Arial" charset="0"/>
+                <a:cs typeface="Arial" charset="0"/>
+              </a:rPr>
+              <a:t>+351 210 987 359</a:t>
+            </a:r>
+            <a:endParaRPr lang="pt-PT" b="1" dirty="0">
+              <a:solidFill>
+                <a:schemeClr val="bg1"/>
+              </a:solidFill>
+              <a:latin typeface="Arial" charset="0"/>
+              <a:ea typeface="Arial" charset="0"/>
+              <a:cs typeface="Arial" charset="0"/>
+            </a:endParaRPr>
+          </a:p>
+        </p:txBody>
+      </p:sp>
+    </p:spTree>
+    <p:extLst>
+      <p:ext uri="{BB962C8B-B14F-4D97-AF65-F5344CB8AC3E}">
+        <p14:creationId xmlns:p14="http://schemas.microsoft.com/office/powerpoint/2010/main" val="1208590559"/>
+      </p:ext>
+    </p:extLst>
+  </p:cSld>
+  <p:clrMapOvr>
+    <a:masterClrMapping/>
+  </p:clrMapOvr>
+  <p:timing>
+    <p:tnLst>
+      <p:par>
+        <p:cTn id="1" dur="indefinite" restart="never" nodeType="tmRoot"/>
+      </p:par>
+    </p:tnLst>
+  </p:timing>
+</p:sld>
+</file>
+
+<file path=ppt/slides/slide4.xml><?xml version="1.0" encoding="utf-8"?>
+<p:sld xmlns:a="http://schemas.openxmlformats.org/drawingml/2006/main" xmlns:r="http://schemas.openxmlformats.org/officeDocument/2006/relationships" xmlns:p="http://schemas.openxmlformats.org/presentationml/2006/main">
+  <p:cSld>
+    <p:spTree>
+      <p:nvGrpSpPr>
+        <p:cNvPr id="1" name=""/>
+        <p:cNvGrpSpPr/>
+        <p:nvPr/>
+      </p:nvGrpSpPr>
+      <p:grpSpPr>
+        <a:xfrm>
+          <a:off x="0" y="0"/>
+          <a:ext cx="0" cy="0"/>
+          <a:chOff x="0" y="0"/>
+          <a:chExt cx="0" cy="0"/>
+        </a:xfrm>
+      </p:grpSpPr>
+      <p:pic>
+        <p:nvPicPr>
+          <p:cNvPr id="18" name="Imagem 17"/>
+          <p:cNvPicPr>
+            <a:picLocks noChangeAspect="1"/>
+          </p:cNvPicPr>
+          <p:nvPr/>
+        </p:nvPicPr>
+        <p:blipFill rotWithShape="1">
+          <a:blip r:embed="rId3">
+            <a:extLst>
+              <a:ext uri="{28A0092B-C50C-407E-A947-70E740481C1C}">
+                <a14:useLocalDpi xmlns:a14="http://schemas.microsoft.com/office/drawing/2010/main" val="0"/>
+              </a:ext>
+            </a:extLst>
+          </a:blip>
+          <a:srcRect t="15866"/>
+          <a:stretch/>
+        </p:blipFill>
+        <p:spPr>
+          <a:xfrm>
+            <a:off x="-1" y="0"/>
+            <a:ext cx="12260384" cy="6858000"/>
+          </a:xfrm>
+          <a:prstGeom prst="rect">
+            <a:avLst/>
+          </a:prstGeom>
+        </p:spPr>
+      </p:pic>
+      <p:sp>
+        <p:nvSpPr>
+          <p:cNvPr id="23" name="Retângulo 22"/>
+          <p:cNvSpPr/>
+          <p:nvPr/>
+        </p:nvSpPr>
+        <p:spPr>
+          <a:xfrm rot="16200000">
+            <a:off x="5880178" y="477794"/>
+            <a:ext cx="646331" cy="12114080"/>
+          </a:xfrm>
+          <a:prstGeom prst="rect">
+            <a:avLst/>
+          </a:prstGeom>
+          <a:solidFill>
+            <a:srgbClr val="000000">
+              <a:alpha val="60000"/>
+            </a:srgbClr>
+          </a:solidFill>
+          <a:ln>
+            <a:noFill/>
+          </a:ln>
+        </p:spPr>
+        <p:style>
+          <a:lnRef idx="2">
+            <a:schemeClr val="accent1">
+              <a:shade val="50000"/>
+            </a:schemeClr>
+          </a:lnRef>
+          <a:fillRef idx="1">
+            <a:schemeClr val="accent1"/>
+          </a:fillRef>
+          <a:effectRef idx="0">
+            <a:schemeClr val="accent1"/>
+          </a:effectRef>
+          <a:fontRef idx="minor">
+            <a:schemeClr val="lt1"/>
+          </a:fontRef>
+        </p:style>
+        <p:txBody>
+          <a:bodyPr rtlCol="0" anchor="ctr"/>
+          <a:lstStyle/>
+          <a:p>
+            <a:pPr algn="ctr"/>
+            <a:endParaRPr lang="pt-PT"/>
+          </a:p>
+        </p:txBody>
+      </p:sp>
+      <p:sp>
+        <p:nvSpPr>
+          <p:cNvPr id="8" name="CaixaDeTexto 7"/>
+          <p:cNvSpPr txBox="1"/>
+          <p:nvPr/>
+        </p:nvSpPr>
+        <p:spPr>
+          <a:xfrm>
+            <a:off x="3641162" y="6357973"/>
+            <a:ext cx="8191153" cy="646331"/>
+          </a:xfrm>
+          <a:prstGeom prst="rect">
+            <a:avLst/>
+          </a:prstGeom>
+          <a:noFill/>
+        </p:spPr>
+        <p:txBody>
+          <a:bodyPr wrap="none" rtlCol="0">
+            <a:spAutoFit/>
+          </a:bodyPr>
+          <a:lstStyle/>
+          <a:p>
+            <a:pPr algn="ctr"/>
+            <a:r>
+              <a:rPr lang="pt-PT" b="1" dirty="0" err="1" smtClean="0">
+                <a:solidFill>
+                  <a:schemeClr val="bg1"/>
+                </a:solidFill>
+                <a:latin typeface="Arial" charset="0"/>
+                <a:ea typeface="Arial" charset="0"/>
+                <a:cs typeface="Arial" charset="0"/>
+              </a:rPr>
+              <a:t>http</a:t>
+            </a:r>
+            <a:r>
+              <a:rPr lang="pt-PT" b="1" dirty="0" smtClean="0">
+                <a:solidFill>
+                  <a:schemeClr val="bg1"/>
+                </a:solidFill>
+                <a:latin typeface="Arial" charset="0"/>
+                <a:ea typeface="Arial" charset="0"/>
+                <a:cs typeface="Arial" charset="0"/>
+              </a:rPr>
+              <a:t>://</a:t>
+            </a:r>
+            <a:r>
+              <a:rPr lang="pt-PT" b="1" dirty="0" err="1" smtClean="0">
+                <a:solidFill>
+                  <a:schemeClr val="bg1"/>
+                </a:solidFill>
+                <a:latin typeface="Arial" charset="0"/>
+                <a:ea typeface="Arial" charset="0"/>
+                <a:cs typeface="Arial" charset="0"/>
+              </a:rPr>
+              <a:t>www.porumacausa.pt</a:t>
+            </a:r>
+            <a:r>
+              <a:rPr lang="pt-PT" b="1" dirty="0" smtClean="0">
+                <a:solidFill>
+                  <a:schemeClr val="bg1"/>
+                </a:solidFill>
+                <a:latin typeface="Arial" charset="0"/>
+                <a:ea typeface="Arial" charset="0"/>
+                <a:cs typeface="Arial" charset="0"/>
+              </a:rPr>
+              <a:t>  </a:t>
+            </a:r>
+            <a:r>
+              <a:rPr lang="pt-PT" b="1" dirty="0">
+                <a:solidFill>
+                  <a:schemeClr val="bg1"/>
+                </a:solidFill>
+                <a:latin typeface="Arial" charset="0"/>
+                <a:ea typeface="Arial" charset="0"/>
+                <a:cs typeface="Arial" charset="0"/>
+              </a:rPr>
+              <a:t>/ +351 210 987 </a:t>
+            </a:r>
+            <a:r>
+              <a:rPr lang="pt-PT" b="1" dirty="0" smtClean="0">
+                <a:solidFill>
+                  <a:schemeClr val="bg1"/>
+                </a:solidFill>
+                <a:latin typeface="Arial" charset="0"/>
+                <a:ea typeface="Arial" charset="0"/>
+                <a:cs typeface="Arial" charset="0"/>
+              </a:rPr>
+              <a:t>359</a:t>
+            </a:r>
+            <a:r>
+              <a:rPr lang="pt-PT" b="1" dirty="0">
+                <a:solidFill>
+                  <a:schemeClr val="bg1"/>
+                </a:solidFill>
+                <a:latin typeface="Arial" charset="0"/>
+                <a:ea typeface="Arial" charset="0"/>
+                <a:cs typeface="Arial" charset="0"/>
+              </a:rPr>
+              <a:t> </a:t>
+            </a:r>
+            <a:r>
+              <a:rPr lang="pt-PT" b="1" dirty="0" smtClean="0">
+                <a:solidFill>
+                  <a:schemeClr val="bg1"/>
+                </a:solidFill>
+                <a:latin typeface="Arial" charset="0"/>
+                <a:ea typeface="Arial" charset="0"/>
+                <a:cs typeface="Arial" charset="0"/>
+              </a:rPr>
+              <a:t> /  </a:t>
+            </a:r>
+            <a:r>
+              <a:rPr lang="pt-PT" b="1" dirty="0" err="1">
+                <a:solidFill>
+                  <a:schemeClr val="bg1"/>
+                </a:solidFill>
+                <a:latin typeface="Arial" charset="0"/>
+                <a:ea typeface="Arial" charset="0"/>
+                <a:cs typeface="Arial" charset="0"/>
+              </a:rPr>
+              <a:t>hello@porumacausa.pt</a:t>
+            </a:r>
+            <a:endParaRPr lang="pt-PT" b="1" dirty="0">
+              <a:solidFill>
+                <a:schemeClr val="bg1"/>
+              </a:solidFill>
+              <a:latin typeface="Arial" charset="0"/>
+              <a:ea typeface="Arial" charset="0"/>
+              <a:cs typeface="Arial" charset="0"/>
+            </a:endParaRPr>
+          </a:p>
+          <a:p>
+            <a:pPr algn="ctr"/>
+            <a:endParaRPr lang="pt-PT" b="1" dirty="0">
+              <a:solidFill>
+                <a:schemeClr val="bg1"/>
+              </a:solidFill>
+              <a:latin typeface="Arial" charset="0"/>
+              <a:ea typeface="Arial" charset="0"/>
+              <a:cs typeface="Arial" charset="0"/>
+            </a:endParaRPr>
+          </a:p>
+        </p:txBody>
+      </p:sp>
+      <p:pic>
+        <p:nvPicPr>
+          <p:cNvPr id="22" name="Imagem 21"/>
+          <p:cNvPicPr>
+            <a:picLocks noChangeAspect="1"/>
+          </p:cNvPicPr>
+          <p:nvPr/>
+        </p:nvPicPr>
+        <p:blipFill>
+          <a:blip r:embed="rId4"/>
+          <a:stretch>
+            <a:fillRect/>
+          </a:stretch>
+        </p:blipFill>
+        <p:spPr>
+          <a:xfrm>
+            <a:off x="6203343" y="3931920"/>
+            <a:ext cx="5845781" cy="1566516"/>
+          </a:xfrm>
+          <a:prstGeom prst="rect">
+            <a:avLst/>
+          </a:prstGeom>
+        </p:spPr>
+      </p:pic>
+      <p:sp>
+        <p:nvSpPr>
+          <p:cNvPr id="24" name="CaixaDeTexto 23"/>
+          <p:cNvSpPr txBox="1"/>
+          <p:nvPr/>
+        </p:nvSpPr>
+        <p:spPr>
+          <a:xfrm>
+            <a:off x="334880" y="492351"/>
+            <a:ext cx="6868595" cy="1754326"/>
+          </a:xfrm>
+          <a:prstGeom prst="rect">
+            <a:avLst/>
+          </a:prstGeom>
+          <a:noFill/>
+        </p:spPr>
+        <p:txBody>
+          <a:bodyPr wrap="square" rtlCol="0">
+            <a:spAutoFit/>
+          </a:bodyPr>
+          <a:lstStyle/>
+          <a:p>
+            <a:r>
+              <a:rPr lang="pt-PT" sz="3600" b="1" cap="all">
+                <a:solidFill>
+                  <a:schemeClr val="bg1"/>
+                </a:solidFill>
+              </a:rPr>
+              <a:t>REDUZIR IMPACTO DOS INCÊNDIOS EM PORTUGAL RECORRENDO À TECNOLOGIA</a:t>
+            </a:r>
+            <a:r>
+              <a:rPr lang="pt-PT" sz="3600" b="1" cap="all" smtClean="0">
+                <a:solidFill>
+                  <a:schemeClr val="bg1"/>
+                </a:solidFill>
+              </a:rPr>
+              <a:t>.</a:t>
+            </a:r>
+            <a:endParaRPr lang="pt-PT" sz="3600" b="1" cap="all">
+              <a:solidFill>
+                <a:schemeClr val="bg1"/>
+              </a:solidFill>
+            </a:endParaRPr>
+          </a:p>
+        </p:txBody>
+      </p:sp>
+    </p:spTree>
+    <p:extLst>
+      <p:ext uri="{BB962C8B-B14F-4D97-AF65-F5344CB8AC3E}">
+        <p14:creationId xmlns:p14="http://schemas.microsoft.com/office/powerpoint/2010/main" val="1151087259"/>
+      </p:ext>
+    </p:extLst>
+  </p:cSld>
+  <p:clrMapOvr>
+    <a:masterClrMapping/>
+  </p:clrMapOvr>
+  <p:timing>
+    <p:tnLst>
+      <p:par>
+        <p:cTn id="1" dur="indefinite" restart="never" nodeType="tmRoot"/>
+      </p:par>
+    </p:tnLst>
+  </p:timing>
+</p:sld>
+</file>
+
+<file path=ppt/slides/slide5.xml><?xml version="1.0" encoding="utf-8"?>
+<p:sld xmlns:a="http://schemas.openxmlformats.org/drawingml/2006/main" xmlns:r="http://schemas.openxmlformats.org/officeDocument/2006/relationships" xmlns:p="http://schemas.openxmlformats.org/presentationml/2006/main">
+  <p:cSld>
+    <p:spTree>
+      <p:nvGrpSpPr>
+        <p:cNvPr id="1" name=""/>
+        <p:cNvGrpSpPr/>
+        <p:nvPr/>
+      </p:nvGrpSpPr>
+      <p:grpSpPr>
+        <a:xfrm>
+          <a:off x="0" y="0"/>
+          <a:ext cx="0" cy="0"/>
+          <a:chOff x="0" y="0"/>
+          <a:chExt cx="0" cy="0"/>
+        </a:xfrm>
+      </p:grpSpPr>
+      <p:pic>
+        <p:nvPicPr>
+          <p:cNvPr id="18" name="Imagem 17"/>
+          <p:cNvPicPr>
+            <a:picLocks noChangeAspect="1"/>
+          </p:cNvPicPr>
+          <p:nvPr/>
+        </p:nvPicPr>
+        <p:blipFill rotWithShape="1">
+          <a:blip r:embed="rId3">
+            <a:extLst>
+              <a:ext uri="{28A0092B-C50C-407E-A947-70E740481C1C}">
+                <a14:useLocalDpi xmlns:a14="http://schemas.microsoft.com/office/drawing/2010/main" val="0"/>
+              </a:ext>
+            </a:extLst>
+          </a:blip>
+          <a:srcRect t="15866"/>
+          <a:stretch/>
+        </p:blipFill>
+        <p:spPr>
+          <a:xfrm>
+            <a:off x="-1" y="0"/>
+            <a:ext cx="12260384" cy="6858000"/>
+          </a:xfrm>
+          <a:prstGeom prst="rect">
+            <a:avLst/>
+          </a:prstGeom>
+        </p:spPr>
+      </p:pic>
+      <p:sp>
+        <p:nvSpPr>
+          <p:cNvPr id="8" name="CaixaDeTexto 7"/>
+          <p:cNvSpPr txBox="1"/>
+          <p:nvPr/>
+        </p:nvSpPr>
+        <p:spPr>
+          <a:xfrm>
+            <a:off x="502449" y="5657671"/>
+            <a:ext cx="3266728" cy="1200329"/>
+          </a:xfrm>
+          <a:prstGeom prst="rect">
+            <a:avLst/>
+          </a:prstGeom>
+          <a:noFill/>
+        </p:spPr>
+        <p:txBody>
+          <a:bodyPr wrap="none" rtlCol="0">
+            <a:spAutoFit/>
+          </a:bodyPr>
+          <a:lstStyle/>
+          <a:p>
+            <a:pPr algn="just"/>
+            <a:r>
+              <a:rPr lang="pt-PT" b="1" dirty="0" err="1" smtClean="0">
+                <a:solidFill>
+                  <a:schemeClr val="bg1"/>
+                </a:solidFill>
+                <a:latin typeface="Arial" charset="0"/>
+                <a:ea typeface="Arial" charset="0"/>
+                <a:cs typeface="Arial" charset="0"/>
+              </a:rPr>
+              <a:t>http</a:t>
+            </a:r>
+            <a:r>
+              <a:rPr lang="pt-PT" b="1" dirty="0" smtClean="0">
+                <a:solidFill>
+                  <a:schemeClr val="bg1"/>
+                </a:solidFill>
+                <a:latin typeface="Arial" charset="0"/>
+                <a:ea typeface="Arial" charset="0"/>
+                <a:cs typeface="Arial" charset="0"/>
+              </a:rPr>
+              <a:t>://</a:t>
+            </a:r>
+            <a:r>
+              <a:rPr lang="pt-PT" b="1" dirty="0" err="1" smtClean="0">
+                <a:solidFill>
+                  <a:schemeClr val="bg1"/>
+                </a:solidFill>
+                <a:latin typeface="Arial" charset="0"/>
+                <a:ea typeface="Arial" charset="0"/>
+                <a:cs typeface="Arial" charset="0"/>
+              </a:rPr>
+              <a:t>www.porumacausa.pt</a:t>
+            </a:r>
+            <a:r>
+              <a:rPr lang="pt-PT" b="1" dirty="0" smtClean="0">
+                <a:solidFill>
+                  <a:schemeClr val="bg1"/>
+                </a:solidFill>
+                <a:latin typeface="Arial" charset="0"/>
+                <a:ea typeface="Arial" charset="0"/>
+                <a:cs typeface="Arial" charset="0"/>
+              </a:rPr>
+              <a:t> </a:t>
+            </a:r>
+          </a:p>
+          <a:p>
+            <a:pPr algn="just"/>
+            <a:r>
+              <a:rPr lang="pt-PT" b="1" dirty="0" smtClean="0">
+                <a:solidFill>
+                  <a:schemeClr val="bg1"/>
+                </a:solidFill>
+                <a:latin typeface="Arial" charset="0"/>
+                <a:ea typeface="Arial" charset="0"/>
+                <a:cs typeface="Arial" charset="0"/>
+              </a:rPr>
+              <a:t>+</a:t>
+            </a:r>
+            <a:r>
+              <a:rPr lang="pt-PT" b="1" dirty="0">
+                <a:solidFill>
+                  <a:schemeClr val="bg1"/>
+                </a:solidFill>
+                <a:latin typeface="Arial" charset="0"/>
+                <a:ea typeface="Arial" charset="0"/>
+                <a:cs typeface="Arial" charset="0"/>
+              </a:rPr>
+              <a:t>351 210 987 </a:t>
+            </a:r>
+            <a:r>
+              <a:rPr lang="pt-PT" b="1" dirty="0" smtClean="0">
+                <a:solidFill>
+                  <a:schemeClr val="bg1"/>
+                </a:solidFill>
+                <a:latin typeface="Arial" charset="0"/>
+                <a:ea typeface="Arial" charset="0"/>
+                <a:cs typeface="Arial" charset="0"/>
+              </a:rPr>
+              <a:t>359</a:t>
+            </a:r>
+            <a:endParaRPr lang="pt-PT" b="1" dirty="0">
+              <a:solidFill>
+                <a:schemeClr val="bg1"/>
+              </a:solidFill>
+              <a:latin typeface="Arial" charset="0"/>
+              <a:ea typeface="Arial" charset="0"/>
+              <a:cs typeface="Arial" charset="0"/>
+            </a:endParaRPr>
+          </a:p>
+          <a:p>
+            <a:pPr algn="just"/>
+            <a:r>
+              <a:rPr lang="pt-PT" b="1" dirty="0" err="1" smtClean="0">
+                <a:solidFill>
+                  <a:schemeClr val="bg1"/>
+                </a:solidFill>
+                <a:latin typeface="Arial" charset="0"/>
+                <a:ea typeface="Arial" charset="0"/>
+                <a:cs typeface="Arial" charset="0"/>
+              </a:rPr>
+              <a:t>hello@porumacausa.pt</a:t>
+            </a:r>
+            <a:endParaRPr lang="pt-PT" b="1" dirty="0">
+              <a:solidFill>
+                <a:schemeClr val="bg1"/>
+              </a:solidFill>
+              <a:latin typeface="Arial" charset="0"/>
+              <a:ea typeface="Arial" charset="0"/>
+              <a:cs typeface="Arial" charset="0"/>
+            </a:endParaRPr>
+          </a:p>
+          <a:p>
+            <a:pPr algn="just"/>
+            <a:endParaRPr lang="pt-PT" b="1" dirty="0">
+              <a:solidFill>
+                <a:schemeClr val="bg1"/>
+              </a:solidFill>
+              <a:latin typeface="Arial" charset="0"/>
+              <a:ea typeface="Arial" charset="0"/>
+              <a:cs typeface="Arial" charset="0"/>
+            </a:endParaRPr>
+          </a:p>
+        </p:txBody>
+      </p:sp>
+      <p:pic>
+        <p:nvPicPr>
+          <p:cNvPr id="22" name="Imagem 21"/>
+          <p:cNvPicPr>
+            <a:picLocks noChangeAspect="1"/>
+          </p:cNvPicPr>
+          <p:nvPr/>
+        </p:nvPicPr>
+        <p:blipFill>
+          <a:blip r:embed="rId4"/>
+          <a:stretch>
+            <a:fillRect/>
+          </a:stretch>
+        </p:blipFill>
+        <p:spPr>
+          <a:xfrm>
+            <a:off x="243005" y="3537892"/>
+            <a:ext cx="3785616" cy="1014446"/>
+          </a:xfrm>
+          <a:prstGeom prst="rect">
+            <a:avLst/>
+          </a:prstGeom>
+        </p:spPr>
+      </p:pic>
+      <p:sp>
+        <p:nvSpPr>
+          <p:cNvPr id="24" name="CaixaDeTexto 23"/>
+          <p:cNvSpPr txBox="1"/>
+          <p:nvPr/>
+        </p:nvSpPr>
+        <p:spPr>
+          <a:xfrm>
+            <a:off x="334880" y="492351"/>
+            <a:ext cx="6868595" cy="1754326"/>
+          </a:xfrm>
+          <a:prstGeom prst="rect">
+            <a:avLst/>
+          </a:prstGeom>
+          <a:noFill/>
+        </p:spPr>
+        <p:txBody>
+          <a:bodyPr wrap="square" rtlCol="0">
+            <a:spAutoFit/>
+          </a:bodyPr>
+          <a:lstStyle/>
+          <a:p>
+            <a:r>
+              <a:rPr lang="pt-PT" sz="3600" b="1" cap="all" dirty="0">
+                <a:solidFill>
+                  <a:schemeClr val="bg1"/>
+                </a:solidFill>
+              </a:rPr>
+              <a:t>REDUZIR IMPACTO DOS INCÊNDIOS EM PORTUGAL RECORRENDO À TECNOLOGIA</a:t>
+            </a:r>
+            <a:r>
+              <a:rPr lang="pt-PT" sz="3600" b="1" cap="all" dirty="0" smtClean="0">
+                <a:solidFill>
+                  <a:schemeClr val="bg1"/>
+                </a:solidFill>
+              </a:rPr>
+              <a:t>.</a:t>
+            </a:r>
+            <a:endParaRPr lang="pt-PT" sz="3600" b="1" cap="all" dirty="0">
+              <a:solidFill>
+                <a:schemeClr val="bg1"/>
+              </a:solidFill>
+            </a:endParaRPr>
+          </a:p>
+        </p:txBody>
+      </p:sp>
+    </p:spTree>
+    <p:extLst>
+      <p:ext uri="{BB962C8B-B14F-4D97-AF65-F5344CB8AC3E}">
+        <p14:creationId xmlns:p14="http://schemas.microsoft.com/office/powerpoint/2010/main" val="2020959079"/>
+      </p:ext>
+    </p:extLst>
+  </p:cSld>
+  <p:clrMapOvr>
+    <a:masterClrMapping/>
+  </p:clrMapOvr>
+  <p:timing>
+    <p:tnLst>
+      <p:par>
+        <p:cTn id="1" dur="indefinite" restart="never" nodeType="tmRoot"/>
+      </p:par>
+    </p:tnLst>
+  </p:timing>
+</p:sld>
+</file>
+
+<file path=ppt/slides/slide6.xml><?xml version="1.0" encoding="utf-8"?>
+<p:sld xmlns:a="http://schemas.openxmlformats.org/drawingml/2006/main" xmlns:r="http://schemas.openxmlformats.org/officeDocument/2006/relationships" xmlns:p="http://schemas.openxmlformats.org/presentationml/2006/main">
+  <p:cSld>
+    <p:spTree>
+      <p:nvGrpSpPr>
+        <p:cNvPr id="1" name=""/>
+        <p:cNvGrpSpPr/>
+        <p:nvPr/>
+      </p:nvGrpSpPr>
+      <p:grpSpPr>
+        <a:xfrm>
+          <a:off x="0" y="0"/>
+          <a:ext cx="0" cy="0"/>
+          <a:chOff x="0" y="0"/>
+          <a:chExt cx="0" cy="0"/>
+        </a:xfrm>
+      </p:grpSpPr>
+      <p:pic>
+        <p:nvPicPr>
+          <p:cNvPr id="22" name="Imagem 21"/>
+          <p:cNvPicPr>
+            <a:picLocks noChangeAspect="1"/>
+          </p:cNvPicPr>
+          <p:nvPr/>
+        </p:nvPicPr>
+        <p:blipFill>
+          <a:blip r:embed="rId3"/>
+          <a:stretch>
+            <a:fillRect/>
+          </a:stretch>
+        </p:blipFill>
+        <p:spPr>
+          <a:xfrm>
+            <a:off x="3802577" y="5995394"/>
+            <a:ext cx="2724214" cy="730018"/>
+          </a:xfrm>
+          <a:prstGeom prst="rect">
+            <a:avLst/>
+          </a:prstGeom>
+        </p:spPr>
+      </p:pic>
+      <p:pic>
+        <p:nvPicPr>
+          <p:cNvPr id="3" name="Imagem 2"/>
+          <p:cNvPicPr>
+            <a:picLocks noChangeAspect="1"/>
+          </p:cNvPicPr>
+          <p:nvPr/>
+        </p:nvPicPr>
+        <p:blipFill>
+          <a:blip r:embed="rId4">
+            <a:extLst>
+              <a:ext uri="{28A0092B-C50C-407E-A947-70E740481C1C}">
+                <a14:useLocalDpi xmlns:a14="http://schemas.microsoft.com/office/drawing/2010/main" val="0"/>
+              </a:ext>
+            </a:extLst>
+          </a:blip>
+          <a:stretch>
+            <a:fillRect/>
+          </a:stretch>
+        </p:blipFill>
+        <p:spPr>
+          <a:xfrm>
+            <a:off x="1066800" y="1085097"/>
+            <a:ext cx="10058400" cy="4687805"/>
+          </a:xfrm>
+          <a:prstGeom prst="rect">
+            <a:avLst/>
+          </a:prstGeom>
+        </p:spPr>
+      </p:pic>
+      <p:pic>
+        <p:nvPicPr>
+          <p:cNvPr id="8" name="Imagem 7"/>
+          <p:cNvPicPr>
+            <a:picLocks noChangeAspect="1"/>
+          </p:cNvPicPr>
+          <p:nvPr/>
+        </p:nvPicPr>
+        <p:blipFill>
+          <a:blip r:embed="rId5"/>
+          <a:stretch>
+            <a:fillRect/>
+          </a:stretch>
+        </p:blipFill>
+        <p:spPr>
+          <a:xfrm>
+            <a:off x="4688987" y="6057758"/>
+            <a:ext cx="2511913" cy="667654"/>
+          </a:xfrm>
+          <a:prstGeom prst="rect">
+            <a:avLst/>
+          </a:prstGeom>
+        </p:spPr>
+      </p:pic>
+    </p:spTree>
+    <p:extLst>
+      <p:ext uri="{BB962C8B-B14F-4D97-AF65-F5344CB8AC3E}">
+        <p14:creationId xmlns:p14="http://schemas.microsoft.com/office/powerpoint/2010/main" val="1303872156"/>
+      </p:ext>
+    </p:extLst>
+  </p:cSld>
+  <p:clrMapOvr>
+    <a:masterClrMapping/>
+  </p:clrMapOvr>
+  <p:timing>
+    <p:tnLst>
+      <p:par>
+        <p:cTn id="1" dur="indefinite" restart="never" nodeType="tmRoot"/>
+      </p:par>
+    </p:tnLst>
+  </p:timing>
+</p:sld>
+</file>
+
+<file path=ppt/slides/slide7.xml><?xml version="1.0" encoding="utf-8"?>
+<p:sld xmlns:a="http://schemas.openxmlformats.org/drawingml/2006/main" xmlns:r="http://schemas.openxmlformats.org/officeDocument/2006/relationships" xmlns:p="http://schemas.openxmlformats.org/presentationml/2006/main">
+  <p:cSld>
+    <p:spTree>
+      <p:nvGrpSpPr>
+        <p:cNvPr id="1" name=""/>
+        <p:cNvGrpSpPr/>
+        <p:nvPr/>
+      </p:nvGrpSpPr>
+      <p:grpSpPr>
+        <a:xfrm>
+          <a:off x="0" y="0"/>
+          <a:ext cx="0" cy="0"/>
+          <a:chOff x="0" y="0"/>
+          <a:chExt cx="0" cy="0"/>
+        </a:xfrm>
+      </p:grpSpPr>
+      <p:sp>
+        <p:nvSpPr>
+          <p:cNvPr id="2" name="Título 1"/>
+          <p:cNvSpPr>
+            <a:spLocks noGrp="1"/>
+          </p:cNvSpPr>
+          <p:nvPr>
+            <p:ph type="title"/>
+          </p:nvPr>
+        </p:nvSpPr>
+        <p:spPr/>
+        <p:txBody>
+          <a:bodyPr/>
+          <a:lstStyle/>
+          <a:p>
+            <a:r>
+              <a:rPr lang="pt-PT" dirty="0" smtClean="0"/>
+              <a:t>Retorno para a comunidade</a:t>
+            </a:r>
+            <a:endParaRPr lang="pt-PT" dirty="0"/>
+          </a:p>
+        </p:txBody>
+      </p:sp>
+      <p:sp>
+        <p:nvSpPr>
+          <p:cNvPr id="3" name="Marcador de Posição de Conteúdo 2"/>
+          <p:cNvSpPr>
+            <a:spLocks noGrp="1"/>
+          </p:cNvSpPr>
+          <p:nvPr>
+            <p:ph idx="1"/>
+          </p:nvPr>
+        </p:nvSpPr>
+        <p:spPr/>
+        <p:txBody>
+          <a:bodyPr/>
+          <a:lstStyle/>
+          <a:p>
+            <a:endParaRPr lang="pt-PT"/>
+          </a:p>
+        </p:txBody>
+      </p:sp>
+    </p:spTree>
+    <p:extLst>
+      <p:ext uri="{BB962C8B-B14F-4D97-AF65-F5344CB8AC3E}">
+        <p14:creationId xmlns:p14="http://schemas.microsoft.com/office/powerpoint/2010/main" val="915124077"/>
+      </p:ext>
+    </p:extLst>
+  </p:cSld>
+  <p:clrMapOvr>
+    <a:masterClrMapping/>
+  </p:clrMapOvr>
+  <p:timing>
+    <p:tnLst>
+      <p:par>
+        <p:cTn id="1" dur="indefinite" restart="never" nodeType="tmRoot"/>
+      </p:par>
+    </p:tnLst>
+  </p:timing>
+</p:sld>
+</file>
+
+<file path=ppt/slides/slide8.xml><?xml version="1.0" encoding="utf-8"?>
+<p:sld xmlns:a="http://schemas.openxmlformats.org/drawingml/2006/main" xmlns:r="http://schemas.openxmlformats.org/officeDocument/2006/relationships" xmlns:p="http://schemas.openxmlformats.org/presentationml/2006/main">
+  <p:cSld>
+    <p:spTree>
+      <p:nvGrpSpPr>
+        <p:cNvPr id="1" name=""/>
+        <p:cNvGrpSpPr/>
+        <p:nvPr/>
+      </p:nvGrpSpPr>
+      <p:grpSpPr>
+        <a:xfrm>
+          <a:off x="0" y="0"/>
+          <a:ext cx="0" cy="0"/>
+          <a:chOff x="0" y="0"/>
+          <a:chExt cx="0" cy="0"/>
+        </a:xfrm>
+      </p:grpSpPr>
+      <p:sp>
+        <p:nvSpPr>
+          <p:cNvPr id="2" name="Título 1"/>
+          <p:cNvSpPr>
+            <a:spLocks noGrp="1"/>
+          </p:cNvSpPr>
+          <p:nvPr>
+            <p:ph type="title"/>
+          </p:nvPr>
+        </p:nvSpPr>
+        <p:spPr/>
+        <p:txBody>
+          <a:bodyPr/>
+          <a:lstStyle/>
+          <a:p>
+            <a:r>
+              <a:rPr lang="pt-PT" dirty="0" smtClean="0"/>
+              <a:t>Equipas e desafios</a:t>
+            </a:r>
+            <a:endParaRPr lang="pt-PT" dirty="0"/>
+          </a:p>
+        </p:txBody>
+      </p:sp>
+      <p:sp>
+        <p:nvSpPr>
+          <p:cNvPr id="3" name="Marcador de Posição de Conteúdo 2"/>
+          <p:cNvSpPr>
+            <a:spLocks noGrp="1"/>
+          </p:cNvSpPr>
+          <p:nvPr>
+            <p:ph idx="1"/>
+          </p:nvPr>
+        </p:nvSpPr>
+        <p:spPr/>
+        <p:txBody>
+          <a:bodyPr/>
+          <a:lstStyle/>
+          <a:p>
+            <a:r>
+              <a:rPr lang="pt-PT" dirty="0" smtClean="0"/>
+              <a:t>Equipas locais totalmente autónomas e responsáveis pelas entregas</a:t>
+            </a:r>
+          </a:p>
+          <a:p>
+            <a:r>
+              <a:rPr lang="pt-PT" dirty="0" smtClean="0"/>
+              <a:t>Equipas divididas por desafios</a:t>
+            </a:r>
+          </a:p>
+          <a:p>
+            <a:r>
+              <a:rPr lang="pt-PT" dirty="0" smtClean="0"/>
+              <a:t>Trabalho remoto </a:t>
+            </a:r>
+          </a:p>
+          <a:p>
+            <a:r>
+              <a:rPr lang="pt-PT" dirty="0" err="1" smtClean="0"/>
+              <a:t>Sync</a:t>
+            </a:r>
+            <a:r>
+              <a:rPr lang="pt-PT" dirty="0" smtClean="0"/>
+              <a:t> com todas as equipas a nível nacional</a:t>
+            </a:r>
+          </a:p>
+          <a:p>
+            <a:r>
+              <a:rPr lang="pt-PT" dirty="0" smtClean="0"/>
+              <a:t>Plano definido no início de cada mês com base no trabalho a realizar</a:t>
+            </a:r>
+            <a:endParaRPr lang="pt-PT" dirty="0"/>
+          </a:p>
+        </p:txBody>
+      </p:sp>
+    </p:spTree>
+    <p:extLst>
+      <p:ext uri="{BB962C8B-B14F-4D97-AF65-F5344CB8AC3E}">
+        <p14:creationId xmlns:p14="http://schemas.microsoft.com/office/powerpoint/2010/main" val="571841984"/>
+      </p:ext>
+    </p:extLst>
+  </p:cSld>
+  <p:clrMapOvr>
+    <a:masterClrMapping/>
+  </p:clrMapOvr>
+</p:sld>
+</file>
+
+<file path=ppt/slides/slide9.xml><?xml version="1.0" encoding="utf-8"?>
+<p:sld xmlns:a="http://schemas.openxmlformats.org/drawingml/2006/main" xmlns:r="http://schemas.openxmlformats.org/officeDocument/2006/relationships" xmlns:p="http://schemas.openxmlformats.org/presentationml/2006/main">
+  <p:cSld>
+    <p:spTree>
+      <p:nvGrpSpPr>
+        <p:cNvPr id="1" name=""/>
+        <p:cNvGrpSpPr/>
+        <p:nvPr/>
+      </p:nvGrpSpPr>
+      <p:grpSpPr>
+        <a:xfrm>
+          <a:off x="0" y="0"/>
+          <a:ext cx="0" cy="0"/>
+          <a:chOff x="0" y="0"/>
+          <a:chExt cx="0" cy="0"/>
+        </a:xfrm>
+      </p:grpSpPr>
+      <p:sp>
+        <p:nvSpPr>
+          <p:cNvPr id="2" name="Título 1"/>
+          <p:cNvSpPr>
+            <a:spLocks noGrp="1"/>
+          </p:cNvSpPr>
+          <p:nvPr>
+            <p:ph type="title"/>
+          </p:nvPr>
+        </p:nvSpPr>
+        <p:spPr/>
+        <p:txBody>
+          <a:bodyPr/>
+          <a:lstStyle/>
+          <a:p>
+            <a:r>
+              <a:rPr lang="pt-PT" dirty="0" smtClean="0"/>
+              <a:t>Visão de produto</a:t>
+            </a:r>
+            <a:endParaRPr lang="pt-PT" dirty="0"/>
+          </a:p>
+        </p:txBody>
+      </p:sp>
+      <p:sp>
+        <p:nvSpPr>
+          <p:cNvPr id="3" name="Marcador de Posição de Conteúdo 2"/>
+          <p:cNvSpPr>
+            <a:spLocks noGrp="1"/>
+          </p:cNvSpPr>
+          <p:nvPr>
+            <p:ph idx="1"/>
+          </p:nvPr>
+        </p:nvSpPr>
+        <p:spPr/>
+        <p:txBody>
+          <a:bodyPr/>
+          <a:lstStyle/>
+          <a:p>
+            <a:r>
+              <a:rPr lang="pt-PT" dirty="0" smtClean="0"/>
+              <a:t>Como desafio de aprendizagem pretende-se que o desenvolvimento seja feito com orientação de produto</a:t>
+            </a:r>
+          </a:p>
+          <a:p>
+            <a:r>
+              <a:rPr lang="pt-PT" dirty="0" smtClean="0"/>
+              <a:t>Todos terão a oportunidade de participar nas diversas fases desde a proposição do problema até aos testes passando pela definição da solução</a:t>
+            </a:r>
+            <a:endParaRPr lang="pt-PT" dirty="0"/>
+          </a:p>
+        </p:txBody>
+      </p:sp>
+    </p:spTree>
+    <p:extLst>
+      <p:ext uri="{BB962C8B-B14F-4D97-AF65-F5344CB8AC3E}">
+        <p14:creationId xmlns:p14="http://schemas.microsoft.com/office/powerpoint/2010/main" val="1636301488"/>
+      </p:ext>
+    </p:extLst>
+  </p:cSld>
+  <p:clrMapOvr>
+    <a:masterClrMapping/>
+  </p:clrMapOvr>
+</p:sld>
+</file>
+
 <file path=ppt/theme/theme1.xml><?xml version="1.0" encoding="utf-8"?>
 <a:theme xmlns:a="http://schemas.openxmlformats.org/drawingml/2006/main" name="Tema do Office">
   <a:themeElements>
@@ -3925,4 +5629,265 @@
     </a:ext>
   </a:extLst>
 </a:theme>
+</file>
+
+<file path=ppt/theme/theme2.xml><?xml version="1.0" encoding="utf-8"?>
+<a:theme xmlns:a="http://schemas.openxmlformats.org/drawingml/2006/main" name="Tema do Office">
+  <a:themeElements>
+    <a:clrScheme name="Office">
+      <a:dk1>
+        <a:sysClr val="windowText" lastClr="000000"/>
+      </a:dk1>
+      <a:lt1>
+        <a:sysClr val="window" lastClr="FFFFFF"/>
+      </a:lt1>
+      <a:dk2>
+        <a:srgbClr val="44546A"/>
+      </a:dk2>
+      <a:lt2>
+        <a:srgbClr val="E7E6E6"/>
+      </a:lt2>
+      <a:accent1>
+        <a:srgbClr val="4472C4"/>
+      </a:accent1>
+      <a:accent2>
+        <a:srgbClr val="ED7D31"/>
+      </a:accent2>
+      <a:accent3>
+        <a:srgbClr val="A5A5A5"/>
+      </a:accent3>
+      <a:accent4>
+        <a:srgbClr val="FFC000"/>
+      </a:accent4>
+      <a:accent5>
+        <a:srgbClr val="5B9BD5"/>
+      </a:accent5>
+      <a:accent6>
+        <a:srgbClr val="70AD47"/>
+      </a:accent6>
+      <a:hlink>
+        <a:srgbClr val="0563C1"/>
+      </a:hlink>
+      <a:folHlink>
+        <a:srgbClr val="954F72"/>
+      </a:folHlink>
+    </a:clrScheme>
+    <a:fontScheme name="Office">
+      <a:majorFont>
+        <a:latin typeface="Calibri Light" panose="020F0302020204030204"/>
+        <a:ea typeface=""/>
+        <a:cs typeface=""/>
+        <a:font script="Jpan" typeface="Yu Gothic Light"/>
+        <a:font script="Hang" typeface="맑은 고딕"/>
+        <a:font script="Hans" typeface="DengXian Light"/>
+        <a:font script="Hant" typeface="新細明體"/>
+        <a:font script="Arab" typeface="Times New Roman"/>
+        <a:font script="Hebr" typeface="Times New Roman"/>
+        <a:font script="Thai" typeface="Angsana New"/>
+        <a:font script="Ethi" typeface="Nyala"/>
+        <a:font script="Beng" typeface="Vrinda"/>
+        <a:font script="Gujr" typeface="Shruti"/>
+        <a:font script="Khmr" typeface="MoolBoran"/>
+        <a:font script="Knda" typeface="Tunga"/>
+        <a:font script="Guru" typeface="Raavi"/>
+        <a:font script="Cans" typeface="Euphemia"/>
+        <a:font script="Cher" typeface="Plantagenet Cherokee"/>
+        <a:font script="Yiii" typeface="Microsoft Yi Baiti"/>
+        <a:font script="Tibt" typeface="Microsoft Himalaya"/>
+        <a:font script="Thaa" typeface="MV Boli"/>
+        <a:font script="Deva" typeface="Mangal"/>
+        <a:font script="Telu" typeface="Gautami"/>
+        <a:font script="Taml" typeface="Latha"/>
+        <a:font script="Syrc" typeface="Estrangelo Edessa"/>
+        <a:font script="Orya" typeface="Kalinga"/>
+        <a:font script="Mlym" typeface="Kartika"/>
+        <a:font script="Laoo" typeface="DokChampa"/>
+        <a:font script="Sinh" typeface="Iskoola Pota"/>
+        <a:font script="Mong" typeface="Mongolian Baiti"/>
+        <a:font script="Viet" typeface="Times New Roman"/>
+        <a:font script="Uigh" typeface="Microsoft Uighur"/>
+        <a:font script="Geor" typeface="Sylfaen"/>
+      </a:majorFont>
+      <a:minorFont>
+        <a:latin typeface="Calibri" panose="020F0502020204030204"/>
+        <a:ea typeface=""/>
+        <a:cs typeface=""/>
+        <a:font script="Jpan" typeface="Yu Gothic"/>
+        <a:font script="Hang" typeface="맑은 고딕"/>
+        <a:font script="Hans" typeface="DengXian"/>
+        <a:font script="Hant" typeface="新細明體"/>
+        <a:font script="Arab" typeface="Arial"/>
+        <a:font script="Hebr" typeface="Arial"/>
+        <a:font script="Thai" typeface="Cordia New"/>
+        <a:font script="Ethi" typeface="Nyala"/>
+        <a:font script="Beng" typeface="Vrinda"/>
+        <a:font script="Gujr" typeface="Shruti"/>
+        <a:font script="Khmr" typeface="DaunPenh"/>
+        <a:font script="Knda" typeface="Tunga"/>
+        <a:font script="Guru" typeface="Raavi"/>
+        <a:font script="Cans" typeface="Euphemia"/>
+        <a:font script="Cher" typeface="Plantagenet Cherokee"/>
+        <a:font script="Yiii" typeface="Microsoft Yi Baiti"/>
+        <a:font script="Tibt" typeface="Microsoft Himalaya"/>
+        <a:font script="Thaa" typeface="MV Boli"/>
+        <a:font script="Deva" typeface="Mangal"/>
+        <a:font script="Telu" typeface="Gautami"/>
+        <a:font script="Taml" typeface="Latha"/>
+        <a:font script="Syrc" typeface="Estrangelo Edessa"/>
+        <a:font script="Orya" typeface="Kalinga"/>
+        <a:font script="Mlym" typeface="Kartika"/>
+        <a:font script="Laoo" typeface="DokChampa"/>
+        <a:font script="Sinh" typeface="Iskoola Pota"/>
+        <a:font script="Mong" typeface="Mongolian Baiti"/>
+        <a:font script="Viet" typeface="Arial"/>
+        <a:font script="Uigh" typeface="Microsoft Uighur"/>
+        <a:font script="Geor" typeface="Sylfaen"/>
+      </a:minorFont>
+    </a:fontScheme>
+    <a:fmtScheme name="Office">
+      <a:fillStyleLst>
+        <a:solidFill>
+          <a:schemeClr val="phClr"/>
+        </a:solidFill>
+        <a:gradFill rotWithShape="1">
+          <a:gsLst>
+            <a:gs pos="0">
+              <a:schemeClr val="phClr">
+                <a:lumMod val="110000"/>
+                <a:satMod val="105000"/>
+                <a:tint val="67000"/>
+              </a:schemeClr>
+            </a:gs>
+            <a:gs pos="50000">
+              <a:schemeClr val="phClr">
+                <a:lumMod val="105000"/>
+                <a:satMod val="103000"/>
+                <a:tint val="73000"/>
+              </a:schemeClr>
+            </a:gs>
+            <a:gs pos="100000">
+              <a:schemeClr val="phClr">
+                <a:lumMod val="105000"/>
+                <a:satMod val="109000"/>
+                <a:tint val="81000"/>
+              </a:schemeClr>
+            </a:gs>
+          </a:gsLst>
+          <a:lin ang="5400000" scaled="0"/>
+        </a:gradFill>
+        <a:gradFill rotWithShape="1">
+          <a:gsLst>
+            <a:gs pos="0">
+              <a:schemeClr val="phClr">
+                <a:satMod val="103000"/>
+                <a:lumMod val="102000"/>
+                <a:tint val="94000"/>
+              </a:schemeClr>
+            </a:gs>
+            <a:gs pos="50000">
+              <a:schemeClr val="phClr">
+                <a:satMod val="110000"/>
+                <a:lumMod val="100000"/>
+                <a:shade val="100000"/>
+              </a:schemeClr>
+            </a:gs>
+            <a:gs pos="100000">
+              <a:schemeClr val="phClr">
+                <a:lumMod val="99000"/>
+                <a:satMod val="120000"/>
+                <a:shade val="78000"/>
+              </a:schemeClr>
+            </a:gs>
+          </a:gsLst>
+          <a:lin ang="5400000" scaled="0"/>
+        </a:gradFill>
+      </a:fillStyleLst>
+      <a:lnStyleLst>
+        <a:ln w="6350" cap="flat" cmpd="sng" algn="ctr">
+          <a:solidFill>
+            <a:schemeClr val="phClr"/>
+          </a:solidFill>
+          <a:prstDash val="solid"/>
+          <a:miter lim="800000"/>
+        </a:ln>
+        <a:ln w="12700" cap="flat" cmpd="sng" algn="ctr">
+          <a:solidFill>
+            <a:schemeClr val="phClr"/>
+          </a:solidFill>
+          <a:prstDash val="solid"/>
+          <a:miter lim="800000"/>
+        </a:ln>
+        <a:ln w="19050" cap="flat" cmpd="sng" algn="ctr">
+          <a:solidFill>
+            <a:schemeClr val="phClr"/>
+          </a:solidFill>
+          <a:prstDash val="solid"/>
+          <a:miter lim="800000"/>
+        </a:ln>
+      </a:lnStyleLst>
+      <a:effectStyleLst>
+        <a:effectStyle>
+          <a:effectLst/>
+        </a:effectStyle>
+        <a:effectStyle>
+          <a:effectLst/>
+        </a:effectStyle>
+        <a:effectStyle>
+          <a:effectLst>
+            <a:outerShdw blurRad="57150" dist="19050" dir="5400000" algn="ctr" rotWithShape="0">
+              <a:srgbClr val="000000">
+                <a:alpha val="63000"/>
+              </a:srgbClr>
+            </a:outerShdw>
+          </a:effectLst>
+        </a:effectStyle>
+      </a:effectStyleLst>
+      <a:bgFillStyleLst>
+        <a:solidFill>
+          <a:schemeClr val="phClr"/>
+        </a:solidFill>
+        <a:solidFill>
+          <a:schemeClr val="phClr">
+            <a:tint val="95000"/>
+            <a:satMod val="170000"/>
+          </a:schemeClr>
+        </a:solidFill>
+        <a:gradFill rotWithShape="1">
+          <a:gsLst>
+            <a:gs pos="0">
+              <a:schemeClr val="phClr">
+                <a:tint val="93000"/>
+                <a:satMod val="150000"/>
+                <a:shade val="98000"/>
+                <a:lumMod val="102000"/>
+              </a:schemeClr>
+            </a:gs>
+            <a:gs pos="50000">
+              <a:schemeClr val="phClr">
+                <a:tint val="98000"/>
+                <a:satMod val="130000"/>
+                <a:shade val="90000"/>
+                <a:lumMod val="103000"/>
+              </a:schemeClr>
+            </a:gs>
+            <a:gs pos="100000">
+              <a:schemeClr val="phClr">
+                <a:shade val="63000"/>
+                <a:satMod val="120000"/>
+              </a:schemeClr>
+            </a:gs>
+          </a:gsLst>
+          <a:lin ang="5400000" scaled="0"/>
+        </a:gradFill>
+      </a:bgFillStyleLst>
+    </a:fmtScheme>
+  </a:themeElements>
+  <a:objectDefaults/>
+  <a:extraClrSchemeLst/>
+  <a:extLst>
+    <a:ext uri="{05A4C25C-085E-4340-85A3-A5531E510DB2}">
+      <thm15:themeFamily xmlns:thm15="http://schemas.microsoft.com/office/thememl/2012/main" name="Office Theme" id="{62F939B6-93AF-4DB8-9C6B-D6C7DFDC589F}" vid="{4A3C46E8-61CC-4603-A589-7422A47A8E4A}"/>
+    </a:ext>
+  </a:extLst>
+</a:theme>
 </file>